--- a/Documentation/Progress slides presentation.pptx
+++ b/Documentation/Progress slides presentation.pptx
@@ -5,22 +5,21 @@
     <p:sldMasterId id="2147483648" r:id="rId1"/>
   </p:sldMasterIdLst>
   <p:notesMasterIdLst>
-    <p:notesMasterId r:id="rId15"/>
+    <p:notesMasterId r:id="rId14"/>
   </p:notesMasterIdLst>
   <p:sldIdLst>
     <p:sldId id="256" r:id="rId2"/>
-    <p:sldId id="274" r:id="rId3"/>
-    <p:sldId id="257" r:id="rId4"/>
-    <p:sldId id="259" r:id="rId5"/>
-    <p:sldId id="260" r:id="rId6"/>
-    <p:sldId id="277" r:id="rId7"/>
-    <p:sldId id="278" r:id="rId8"/>
-    <p:sldId id="279" r:id="rId9"/>
-    <p:sldId id="281" r:id="rId10"/>
-    <p:sldId id="282" r:id="rId11"/>
-    <p:sldId id="284" r:id="rId12"/>
-    <p:sldId id="285" r:id="rId13"/>
-    <p:sldId id="273" r:id="rId14"/>
+    <p:sldId id="257" r:id="rId3"/>
+    <p:sldId id="259" r:id="rId4"/>
+    <p:sldId id="260" r:id="rId5"/>
+    <p:sldId id="277" r:id="rId6"/>
+    <p:sldId id="278" r:id="rId7"/>
+    <p:sldId id="279" r:id="rId8"/>
+    <p:sldId id="281" r:id="rId9"/>
+    <p:sldId id="282" r:id="rId10"/>
+    <p:sldId id="284" r:id="rId11"/>
+    <p:sldId id="285" r:id="rId12"/>
+    <p:sldId id="273" r:id="rId13"/>
   </p:sldIdLst>
   <p:sldSz cx="12192000" cy="6858000"/>
   <p:notesSz cx="6858000" cy="9144000"/>
@@ -212,7 +211,7 @@
           <a:p>
             <a:fld id="{869BD577-E711-4F0A-A597-79D8320811BD}" type="datetimeFigureOut">
               <a:rPr lang="en-US" smtClean="0"/>
-              <a:t>6/29/2024</a:t>
+              <a:t>8/12/2024</a:t>
             </a:fld>
             <a:endParaRPr lang="en-US"/>
           </a:p>
@@ -479,90 +478,6 @@
 </p:notesMaster>
 </file>
 
-<file path=ppt/notesSlides/notesSlide1.xml><?xml version="1.0" encoding="utf-8"?>
-<p:notes xmlns:a="http://schemas.openxmlformats.org/drawingml/2006/main" xmlns:r="http://schemas.openxmlformats.org/officeDocument/2006/relationships" xmlns:p="http://schemas.openxmlformats.org/presentationml/2006/main">
-  <p:cSld>
-    <p:spTree>
-      <p:nvGrpSpPr>
-        <p:cNvPr id="1" name=""/>
-        <p:cNvGrpSpPr/>
-        <p:nvPr/>
-      </p:nvGrpSpPr>
-      <p:grpSpPr>
-        <a:xfrm>
-          <a:off x="0" y="0"/>
-          <a:ext cx="0" cy="0"/>
-          <a:chOff x="0" y="0"/>
-          <a:chExt cx="0" cy="0"/>
-        </a:xfrm>
-      </p:grpSpPr>
-      <p:sp>
-        <p:nvSpPr>
-          <p:cNvPr id="2" name="Slide Image Placeholder 1"/>
-          <p:cNvSpPr>
-            <a:spLocks noGrp="1" noRot="1" noChangeAspect="1"/>
-          </p:cNvSpPr>
-          <p:nvPr>
-            <p:ph type="sldImg"/>
-          </p:nvPr>
-        </p:nvSpPr>
-        <p:spPr/>
-      </p:sp>
-      <p:sp>
-        <p:nvSpPr>
-          <p:cNvPr id="3" name="Notes Placeholder 2"/>
-          <p:cNvSpPr>
-            <a:spLocks noGrp="1"/>
-          </p:cNvSpPr>
-          <p:nvPr>
-            <p:ph type="body" idx="1"/>
-          </p:nvPr>
-        </p:nvSpPr>
-        <p:spPr/>
-        <p:txBody>
-          <a:bodyPr/>
-          <a:lstStyle/>
-          <a:p>
-            <a:endParaRPr lang="en-US"/>
-          </a:p>
-        </p:txBody>
-      </p:sp>
-      <p:sp>
-        <p:nvSpPr>
-          <p:cNvPr id="4" name="Slide Number Placeholder 3"/>
-          <p:cNvSpPr>
-            <a:spLocks noGrp="1"/>
-          </p:cNvSpPr>
-          <p:nvPr>
-            <p:ph type="sldNum" sz="quarter" idx="5"/>
-          </p:nvPr>
-        </p:nvSpPr>
-        <p:spPr/>
-        <p:txBody>
-          <a:bodyPr/>
-          <a:lstStyle/>
-          <a:p>
-            <a:fld id="{F9392BAA-BC19-467C-9F73-1B5F5504B873}" type="slidenum">
-              <a:rPr lang="en-US" smtClean="0"/>
-              <a:t>2</a:t>
-            </a:fld>
-            <a:endParaRPr lang="en-US"/>
-          </a:p>
-        </p:txBody>
-      </p:sp>
-    </p:spTree>
-    <p:extLst>
-      <p:ext uri="{BB962C8B-B14F-4D97-AF65-F5344CB8AC3E}">
-        <p14:creationId xmlns:p14="http://schemas.microsoft.com/office/powerpoint/2010/main" val="21332778"/>
-      </p:ext>
-    </p:extLst>
-  </p:cSld>
-  <p:clrMapOvr>
-    <a:masterClrMapping/>
-  </p:clrMapOvr>
-</p:notes>
-</file>
-
 <file path=ppt/slideLayouts/slideLayout1.xml><?xml version="1.0" encoding="utf-8"?>
 <p:sldLayout xmlns:a="http://schemas.openxmlformats.org/drawingml/2006/main" xmlns:r="http://schemas.openxmlformats.org/officeDocument/2006/relationships" xmlns:p="http://schemas.openxmlformats.org/presentationml/2006/main" type="title" preserve="1">
   <p:cSld name="Title Slide">
@@ -710,7 +625,7 @@
           <a:p>
             <a:fld id="{675C8F45-5EF6-4BA4-9EF9-21873DFB8715}" type="datetime1">
               <a:rPr lang="en-US" smtClean="0"/>
-              <a:t>6/29/2024</a:t>
+              <a:t>8/12/2024</a:t>
             </a:fld>
             <a:endParaRPr lang="en-US"/>
           </a:p>
@@ -941,7 +856,7 @@
           <a:p>
             <a:fld id="{F5074967-9816-499C-AB4B-C0FC2F66720D}" type="datetime1">
               <a:rPr lang="en-US" smtClean="0"/>
-              <a:t>6/29/2024</a:t>
+              <a:t>8/12/2024</a:t>
             </a:fld>
             <a:endParaRPr lang="en-US"/>
           </a:p>
@@ -1152,7 +1067,7 @@
           <a:p>
             <a:fld id="{928B7465-797B-46B6-A7BA-BAD3E6FC9E30}" type="datetime1">
               <a:rPr lang="en-US" smtClean="0"/>
-              <a:t>6/29/2024</a:t>
+              <a:t>8/12/2024</a:t>
             </a:fld>
             <a:endParaRPr lang="en-US"/>
           </a:p>
@@ -1353,7 +1268,7 @@
           <a:p>
             <a:fld id="{3725F22A-3AC6-4339-8492-9055B605575F}" type="datetime1">
               <a:rPr lang="en-US" smtClean="0"/>
-              <a:t>6/29/2024</a:t>
+              <a:t>8/12/2024</a:t>
             </a:fld>
             <a:endParaRPr lang="en-US"/>
           </a:p>
@@ -1631,7 +1546,7 @@
           <a:p>
             <a:fld id="{8A7082F0-F3F7-42FF-8D5D-2D21C8A34A49}" type="datetime1">
               <a:rPr lang="en-US" smtClean="0"/>
-              <a:t>6/29/2024</a:t>
+              <a:t>8/12/2024</a:t>
             </a:fld>
             <a:endParaRPr lang="en-US"/>
           </a:p>
@@ -1899,7 +1814,7 @@
           <a:p>
             <a:fld id="{D7BC5A97-EE2C-465D-B14B-7475B8678DA8}" type="datetime1">
               <a:rPr lang="en-US" smtClean="0"/>
-              <a:t>6/29/2024</a:t>
+              <a:t>8/12/2024</a:t>
             </a:fld>
             <a:endParaRPr lang="en-US"/>
           </a:p>
@@ -2314,7 +2229,7 @@
           <a:p>
             <a:fld id="{DDA956A2-A6E8-4C44-AA9E-4F5628D6BBB5}" type="datetime1">
               <a:rPr lang="en-US" smtClean="0"/>
-              <a:t>6/29/2024</a:t>
+              <a:t>8/12/2024</a:t>
             </a:fld>
             <a:endParaRPr lang="en-US"/>
           </a:p>
@@ -2458,7 +2373,7 @@
           <a:p>
             <a:fld id="{1458A082-D35D-4107-A4BF-8A78C47DC0CE}" type="datetime1">
               <a:rPr lang="en-US" smtClean="0"/>
-              <a:t>6/29/2024</a:t>
+              <a:t>8/12/2024</a:t>
             </a:fld>
             <a:endParaRPr lang="en-US"/>
           </a:p>
@@ -2574,7 +2489,7 @@
           <a:p>
             <a:fld id="{FE22DCC7-3996-4C97-914E-B079D5E3DF8C}" type="datetime1">
               <a:rPr lang="en-US" smtClean="0"/>
-              <a:t>6/29/2024</a:t>
+              <a:t>8/12/2024</a:t>
             </a:fld>
             <a:endParaRPr lang="en-US"/>
           </a:p>
@@ -2888,7 +2803,7 @@
           <a:p>
             <a:fld id="{7923FA11-8A1B-4F35-9FC3-A508EA8A0333}" type="datetime1">
               <a:rPr lang="en-US" smtClean="0"/>
-              <a:t>6/29/2024</a:t>
+              <a:t>8/12/2024</a:t>
             </a:fld>
             <a:endParaRPr lang="en-US"/>
           </a:p>
@@ -3179,7 +3094,7 @@
           <a:p>
             <a:fld id="{5C0420C4-E89B-4AE2-9C9C-F402479D59A1}" type="datetime1">
               <a:rPr lang="en-US" smtClean="0"/>
-              <a:t>6/29/2024</a:t>
+              <a:t>8/12/2024</a:t>
             </a:fld>
             <a:endParaRPr lang="en-US"/>
           </a:p>
@@ -3423,7 +3338,7 @@
           <a:p>
             <a:fld id="{E464FB30-3BE4-4C21-89AF-A0EA3257E411}" type="datetime1">
               <a:rPr lang="en-US" smtClean="0"/>
-              <a:t>6/29/2024</a:t>
+              <a:t>8/12/2024</a:t>
             </a:fld>
             <a:endParaRPr lang="en-US"/>
           </a:p>
@@ -3915,7 +3830,15 @@
             </a:pPr>
             <a:r>
               <a:rPr lang="en-US" sz="3200" dirty="0"/>
-              <a:t>CMT 400 : Research Project Progress Report </a:t>
+              <a:t>CMT 400 : Research Project </a:t>
+            </a:r>
+            <a:r>
+              <a:rPr lang="en-US" sz="3200" dirty="0" smtClean="0"/>
+              <a:t>Final </a:t>
+            </a:r>
+            <a:r>
+              <a:rPr lang="en-US" sz="3200" dirty="0"/>
+              <a:t>Report </a:t>
             </a:r>
           </a:p>
           <a:p>
@@ -4010,7 +3933,7 @@
           <p:cNvPr id="2" name="Title 1">
             <a:extLst>
               <a:ext uri="{FF2B5EF4-FFF2-40B4-BE49-F238E27FC236}">
-                <a16:creationId xmlns:a16="http://schemas.microsoft.com/office/drawing/2014/main" id="{8536642E-6994-8620-0A1C-F2BE8AEB2A1B}"/>
+                <a16:creationId xmlns:a16="http://schemas.microsoft.com/office/drawing/2014/main" id="{56824670-8F27-01BC-EE3E-301F3B221B5C}"/>
               </a:ext>
             </a:extLst>
           </p:cNvPr>
@@ -4028,51 +3951,49 @@
           <a:p>
             <a:r>
               <a:rPr lang="en-GB" dirty="0"/>
-              <a:t>Design(2</a:t>
-            </a:r>
-            <a:r>
-              <a:rPr lang="en-GB" dirty="0" smtClean="0"/>
-              <a:t>)-ERD Diagram</a:t>
-            </a:r>
-            <a:endParaRPr lang="en-GB" dirty="0"/>
-          </a:p>
-        </p:txBody>
-      </p:sp>
-      <p:pic>
-        <p:nvPicPr>
-          <p:cNvPr id="7" name="Content Placeholder 6"/>
-          <p:cNvPicPr>
-            <a:picLocks noGrp="1" noChangeAspect="1"/>
-          </p:cNvPicPr>
+              <a:t>Design(3)</a:t>
+            </a:r>
+          </a:p>
+        </p:txBody>
+      </p:sp>
+      <p:sp>
+        <p:nvSpPr>
+          <p:cNvPr id="3" name="Content Placeholder 2">
+            <a:extLst>
+              <a:ext uri="{FF2B5EF4-FFF2-40B4-BE49-F238E27FC236}">
+                <a16:creationId xmlns:a16="http://schemas.microsoft.com/office/drawing/2014/main" id="{136F00A2-7DFC-86DA-87DC-632AFAFEB594}"/>
+              </a:ext>
+            </a:extLst>
+          </p:cNvPr>
+          <p:cNvSpPr>
+            <a:spLocks noGrp="1"/>
+          </p:cNvSpPr>
           <p:nvPr>
             <p:ph idx="1"/>
           </p:nvPr>
-        </p:nvPicPr>
-        <p:blipFill>
-          <a:blip r:embed="rId2">
-            <a:extLst>
-              <a:ext uri="{28A0092B-C50C-407E-A947-70E740481C1C}">
-                <a14:useLocalDpi xmlns:a14="http://schemas.microsoft.com/office/drawing/2010/main" val="0"/>
-              </a:ext>
-            </a:extLst>
-          </a:blip>
-          <a:stretch>
-            <a:fillRect/>
-          </a:stretch>
-        </p:blipFill>
-        <p:spPr>
-          <a:xfrm>
-            <a:off x="2074607" y="1425677"/>
-            <a:ext cx="7374193" cy="4930673"/>
-          </a:xfrm>
-        </p:spPr>
-      </p:pic>
+        </p:nvSpPr>
+        <p:spPr/>
+        <p:txBody>
+          <a:bodyPr/>
+          <a:lstStyle/>
+          <a:p>
+            <a:r>
+              <a:rPr lang="en-US" dirty="0"/>
+              <a:t>Test data </a:t>
+            </a:r>
+            <a:endParaRPr lang="en-US" dirty="0" smtClean="0"/>
+          </a:p>
+          <a:p>
+            <a:endParaRPr lang="en-US" dirty="0"/>
+          </a:p>
+        </p:txBody>
+      </p:sp>
       <p:sp>
         <p:nvSpPr>
           <p:cNvPr id="4" name="Date Placeholder 3">
             <a:extLst>
               <a:ext uri="{FF2B5EF4-FFF2-40B4-BE49-F238E27FC236}">
-                <a16:creationId xmlns:a16="http://schemas.microsoft.com/office/drawing/2014/main" id="{07066993-DB10-64AC-3256-DADD30A23864}"/>
+                <a16:creationId xmlns:a16="http://schemas.microsoft.com/office/drawing/2014/main" id="{8EEBDA1D-BDF9-C092-B037-99EDB436C44C}"/>
               </a:ext>
             </a:extLst>
           </p:cNvPr>
@@ -4090,7 +4011,7 @@
           <a:p>
             <a:fld id="{3725F22A-3AC6-4339-8492-9055B605575F}" type="datetime1">
               <a:rPr lang="en-US" smtClean="0"/>
-              <a:t>6/29/2024</a:t>
+              <a:t>8/12/2024</a:t>
             </a:fld>
             <a:endParaRPr lang="en-US"/>
           </a:p>
@@ -4101,7 +4022,7 @@
           <p:cNvPr id="5" name="Footer Placeholder 4">
             <a:extLst>
               <a:ext uri="{FF2B5EF4-FFF2-40B4-BE49-F238E27FC236}">
-                <a16:creationId xmlns:a16="http://schemas.microsoft.com/office/drawing/2014/main" id="{0349BD0B-2B3B-D72C-12CD-169761E55B27}"/>
+                <a16:creationId xmlns:a16="http://schemas.microsoft.com/office/drawing/2014/main" id="{8ACB1BD0-E607-0ACA-F904-EC17C7BD03D4}"/>
               </a:ext>
             </a:extLst>
           </p:cNvPr>
@@ -4129,7 +4050,7 @@
           <p:cNvPr id="6" name="Slide Number Placeholder 5">
             <a:extLst>
               <a:ext uri="{FF2B5EF4-FFF2-40B4-BE49-F238E27FC236}">
-                <a16:creationId xmlns:a16="http://schemas.microsoft.com/office/drawing/2014/main" id="{BAE783D4-54E8-F5D3-FD79-8D75E29BAB86}"/>
+                <a16:creationId xmlns:a16="http://schemas.microsoft.com/office/drawing/2014/main" id="{EEB49FEE-9696-BD01-ABCE-FE0312362888}"/>
               </a:ext>
             </a:extLst>
           </p:cNvPr>
@@ -4153,10 +4074,39 @@
           </a:p>
         </p:txBody>
       </p:sp>
+      <p:pic>
+        <p:nvPicPr>
+          <p:cNvPr id="7" name="Picture 6"/>
+          <p:cNvPicPr>
+            <a:picLocks noChangeAspect="1"/>
+          </p:cNvPicPr>
+          <p:nvPr/>
+        </p:nvPicPr>
+        <p:blipFill rotWithShape="1">
+          <a:blip r:embed="rId2">
+            <a:extLst>
+              <a:ext uri="{28A0092B-C50C-407E-A947-70E740481C1C}">
+                <a14:useLocalDpi xmlns:a14="http://schemas.microsoft.com/office/drawing/2010/main" val="0"/>
+              </a:ext>
+            </a:extLst>
+          </a:blip>
+          <a:srcRect l="16716" t="39101" r="7820" b="29271"/>
+          <a:stretch/>
+        </p:blipFill>
+        <p:spPr>
+          <a:xfrm>
+            <a:off x="1248697" y="2517057"/>
+            <a:ext cx="7590503" cy="1789472"/>
+          </a:xfrm>
+          <a:prstGeom prst="rect">
+            <a:avLst/>
+          </a:prstGeom>
+        </p:spPr>
+      </p:pic>
     </p:spTree>
     <p:extLst>
       <p:ext uri="{BB962C8B-B14F-4D97-AF65-F5344CB8AC3E}">
-        <p14:creationId xmlns:p14="http://schemas.microsoft.com/office/powerpoint/2010/main" val="510126467"/>
+        <p14:creationId xmlns:p14="http://schemas.microsoft.com/office/powerpoint/2010/main" val="4294424522"/>
       </p:ext>
     </p:extLst>
   </p:cSld>
@@ -4188,7 +4138,7 @@
           <p:cNvPr id="2" name="Title 1">
             <a:extLst>
               <a:ext uri="{FF2B5EF4-FFF2-40B4-BE49-F238E27FC236}">
-                <a16:creationId xmlns:a16="http://schemas.microsoft.com/office/drawing/2014/main" id="{56824670-8F27-01BC-EE3E-301F3B221B5C}"/>
+                <a16:creationId xmlns:a16="http://schemas.microsoft.com/office/drawing/2014/main" id="{3A45DAAB-7ECD-349E-5A01-49A474B24F28}"/>
               </a:ext>
             </a:extLst>
           </p:cNvPr>
@@ -4206,7 +4156,7 @@
           <a:p>
             <a:r>
               <a:rPr lang="en-GB" dirty="0"/>
-              <a:t>Design(3)</a:t>
+              <a:t>Implementation</a:t>
             </a:r>
           </a:p>
         </p:txBody>
@@ -4216,7 +4166,7 @@
           <p:cNvPr id="3" name="Content Placeholder 2">
             <a:extLst>
               <a:ext uri="{FF2B5EF4-FFF2-40B4-BE49-F238E27FC236}">
-                <a16:creationId xmlns:a16="http://schemas.microsoft.com/office/drawing/2014/main" id="{136F00A2-7DFC-86DA-87DC-632AFAFEB594}"/>
+                <a16:creationId xmlns:a16="http://schemas.microsoft.com/office/drawing/2014/main" id="{A97E0410-E526-2B41-F15D-788C06FAA71C}"/>
               </a:ext>
             </a:extLst>
           </p:cNvPr>
@@ -4233,16 +4183,85 @@
           <a:lstStyle/>
           <a:p>
             <a:r>
-              <a:rPr lang="en-US" dirty="0"/>
-              <a:t>Test data </a:t>
-            </a:r>
-          </a:p>
-          <a:p>
-            <a:pPr lvl="1"/>
-            <a:r>
-              <a:rPr lang="en-US" dirty="0"/>
-              <a:t>[show an extract, may be test data for one entity)]</a:t>
-            </a:r>
+              <a:rPr lang="en-GB" dirty="0" smtClean="0"/>
+              <a:t>Implementation of signup page for both user and admin</a:t>
+            </a:r>
+          </a:p>
+          <a:p>
+            <a:r>
+              <a:rPr lang="en-GB" dirty="0" smtClean="0"/>
+              <a:t>Creation of user and admin dashboard</a:t>
+            </a:r>
+          </a:p>
+          <a:p>
+            <a:r>
+              <a:rPr lang="en-GB" dirty="0" smtClean="0"/>
+              <a:t>Creation of gallery for standard orders which can be added to cart successfully</a:t>
+            </a:r>
+          </a:p>
+          <a:p>
+            <a:r>
+              <a:rPr lang="en-GB" dirty="0" smtClean="0"/>
+              <a:t>Creation of custom order page where user can choose </a:t>
+            </a:r>
+            <a:r>
+              <a:rPr lang="en-GB" dirty="0" err="1" smtClean="0"/>
+              <a:t>size,flavour</a:t>
+            </a:r>
+            <a:r>
+              <a:rPr lang="en-GB" dirty="0" smtClean="0"/>
+              <a:t> </a:t>
+            </a:r>
+            <a:r>
+              <a:rPr lang="en-GB" dirty="0" err="1" smtClean="0"/>
+              <a:t>types,number</a:t>
+            </a:r>
+            <a:r>
+              <a:rPr lang="en-GB" dirty="0" smtClean="0"/>
+              <a:t> of </a:t>
+            </a:r>
+            <a:r>
+              <a:rPr lang="en-GB" dirty="0" err="1" smtClean="0"/>
+              <a:t>layers,decoration</a:t>
+            </a:r>
+            <a:r>
+              <a:rPr lang="en-GB" dirty="0" smtClean="0"/>
+              <a:t> range and frosting type</a:t>
+            </a:r>
+          </a:p>
+          <a:p>
+            <a:r>
+              <a:rPr lang="en-GB" dirty="0" smtClean="0"/>
+              <a:t>Creation of checkout page and </a:t>
+            </a:r>
+            <a:r>
+              <a:rPr lang="en-GB" dirty="0" err="1" smtClean="0"/>
+              <a:t>intergrated</a:t>
+            </a:r>
+            <a:r>
+              <a:rPr lang="en-GB" dirty="0" smtClean="0"/>
+              <a:t> to </a:t>
+            </a:r>
+            <a:r>
+              <a:rPr lang="en-GB" dirty="0" err="1" smtClean="0"/>
+              <a:t>paypal</a:t>
+            </a:r>
+            <a:r>
+              <a:rPr lang="en-GB" dirty="0" smtClean="0"/>
+              <a:t> API </a:t>
+            </a:r>
+          </a:p>
+          <a:p>
+            <a:r>
+              <a:rPr lang="en-GB" dirty="0" smtClean="0"/>
+              <a:t>Implementation of database</a:t>
+            </a:r>
+          </a:p>
+          <a:p>
+            <a:endParaRPr lang="en-GB" dirty="0" smtClean="0"/>
+          </a:p>
+          <a:p>
+            <a:endParaRPr lang="en-GB" dirty="0"/>
           </a:p>
         </p:txBody>
       </p:sp>
@@ -4251,7 +4270,7 @@
           <p:cNvPr id="4" name="Date Placeholder 3">
             <a:extLst>
               <a:ext uri="{FF2B5EF4-FFF2-40B4-BE49-F238E27FC236}">
-                <a16:creationId xmlns:a16="http://schemas.microsoft.com/office/drawing/2014/main" id="{8EEBDA1D-BDF9-C092-B037-99EDB436C44C}"/>
+                <a16:creationId xmlns:a16="http://schemas.microsoft.com/office/drawing/2014/main" id="{B007A094-8A88-952C-74F6-1557FF73B53E}"/>
               </a:ext>
             </a:extLst>
           </p:cNvPr>
@@ -4269,7 +4288,7 @@
           <a:p>
             <a:fld id="{3725F22A-3AC6-4339-8492-9055B605575F}" type="datetime1">
               <a:rPr lang="en-US" smtClean="0"/>
-              <a:t>6/29/2024</a:t>
+              <a:t>8/12/2024</a:t>
             </a:fld>
             <a:endParaRPr lang="en-US"/>
           </a:p>
@@ -4280,7 +4299,7 @@
           <p:cNvPr id="5" name="Footer Placeholder 4">
             <a:extLst>
               <a:ext uri="{FF2B5EF4-FFF2-40B4-BE49-F238E27FC236}">
-                <a16:creationId xmlns:a16="http://schemas.microsoft.com/office/drawing/2014/main" id="{8ACB1BD0-E607-0ACA-F904-EC17C7BD03D4}"/>
+                <a16:creationId xmlns:a16="http://schemas.microsoft.com/office/drawing/2014/main" id="{D159E3A0-D133-5287-949D-5ED65E2C9502}"/>
               </a:ext>
             </a:extLst>
           </p:cNvPr>
@@ -4308,7 +4327,7 @@
           <p:cNvPr id="6" name="Slide Number Placeholder 5">
             <a:extLst>
               <a:ext uri="{FF2B5EF4-FFF2-40B4-BE49-F238E27FC236}">
-                <a16:creationId xmlns:a16="http://schemas.microsoft.com/office/drawing/2014/main" id="{EEB49FEE-9696-BD01-ABCE-FE0312362888}"/>
+                <a16:creationId xmlns:a16="http://schemas.microsoft.com/office/drawing/2014/main" id="{23018F7D-550F-26F9-1934-DE07C281ED25}"/>
               </a:ext>
             </a:extLst>
           </p:cNvPr>
@@ -4327,178 +4346,6 @@
             <a:fld id="{DDD1C4E3-6544-488F-8BBE-2E6A0588B5A3}" type="slidenum">
               <a:rPr lang="en-US" smtClean="0"/>
               <a:t>11</a:t>
-            </a:fld>
-            <a:endParaRPr lang="en-US"/>
-          </a:p>
-        </p:txBody>
-      </p:sp>
-    </p:spTree>
-    <p:extLst>
-      <p:ext uri="{BB962C8B-B14F-4D97-AF65-F5344CB8AC3E}">
-        <p14:creationId xmlns:p14="http://schemas.microsoft.com/office/powerpoint/2010/main" val="4294424522"/>
-      </p:ext>
-    </p:extLst>
-  </p:cSld>
-  <p:clrMapOvr>
-    <a:masterClrMapping/>
-  </p:clrMapOvr>
-</p:sld>
-</file>
-
-<file path=ppt/slides/slide12.xml><?xml version="1.0" encoding="utf-8"?>
-<p:sld xmlns:a="http://schemas.openxmlformats.org/drawingml/2006/main" xmlns:r="http://schemas.openxmlformats.org/officeDocument/2006/relationships" xmlns:p="http://schemas.openxmlformats.org/presentationml/2006/main">
-  <p:cSld>
-    <p:spTree>
-      <p:nvGrpSpPr>
-        <p:cNvPr id="1" name=""/>
-        <p:cNvGrpSpPr/>
-        <p:nvPr/>
-      </p:nvGrpSpPr>
-      <p:grpSpPr>
-        <a:xfrm>
-          <a:off x="0" y="0"/>
-          <a:ext cx="0" cy="0"/>
-          <a:chOff x="0" y="0"/>
-          <a:chExt cx="0" cy="0"/>
-        </a:xfrm>
-      </p:grpSpPr>
-      <p:sp>
-        <p:nvSpPr>
-          <p:cNvPr id="2" name="Title 1">
-            <a:extLst>
-              <a:ext uri="{FF2B5EF4-FFF2-40B4-BE49-F238E27FC236}">
-                <a16:creationId xmlns:a16="http://schemas.microsoft.com/office/drawing/2014/main" id="{3A45DAAB-7ECD-349E-5A01-49A474B24F28}"/>
-              </a:ext>
-            </a:extLst>
-          </p:cNvPr>
-          <p:cNvSpPr>
-            <a:spLocks noGrp="1"/>
-          </p:cNvSpPr>
-          <p:nvPr>
-            <p:ph type="title"/>
-          </p:nvPr>
-        </p:nvSpPr>
-        <p:spPr/>
-        <p:txBody>
-          <a:bodyPr/>
-          <a:lstStyle/>
-          <a:p>
-            <a:r>
-              <a:rPr lang="en-GB" dirty="0"/>
-              <a:t>Implementation</a:t>
-            </a:r>
-          </a:p>
-        </p:txBody>
-      </p:sp>
-      <p:sp>
-        <p:nvSpPr>
-          <p:cNvPr id="3" name="Content Placeholder 2">
-            <a:extLst>
-              <a:ext uri="{FF2B5EF4-FFF2-40B4-BE49-F238E27FC236}">
-                <a16:creationId xmlns:a16="http://schemas.microsoft.com/office/drawing/2014/main" id="{A97E0410-E526-2B41-F15D-788C06FAA71C}"/>
-              </a:ext>
-            </a:extLst>
-          </p:cNvPr>
-          <p:cNvSpPr>
-            <a:spLocks noGrp="1"/>
-          </p:cNvSpPr>
-          <p:nvPr>
-            <p:ph idx="1"/>
-          </p:nvPr>
-        </p:nvSpPr>
-        <p:spPr/>
-        <p:txBody>
-          <a:bodyPr/>
-          <a:lstStyle/>
-          <a:p>
-            <a:r>
-              <a:rPr lang="en-GB" dirty="0"/>
-              <a:t>(In point form indicated work done)</a:t>
-            </a:r>
-          </a:p>
-        </p:txBody>
-      </p:sp>
-      <p:sp>
-        <p:nvSpPr>
-          <p:cNvPr id="4" name="Date Placeholder 3">
-            <a:extLst>
-              <a:ext uri="{FF2B5EF4-FFF2-40B4-BE49-F238E27FC236}">
-                <a16:creationId xmlns:a16="http://schemas.microsoft.com/office/drawing/2014/main" id="{B007A094-8A88-952C-74F6-1557FF73B53E}"/>
-              </a:ext>
-            </a:extLst>
-          </p:cNvPr>
-          <p:cNvSpPr>
-            <a:spLocks noGrp="1"/>
-          </p:cNvSpPr>
-          <p:nvPr>
-            <p:ph type="dt" sz="half" idx="10"/>
-          </p:nvPr>
-        </p:nvSpPr>
-        <p:spPr/>
-        <p:txBody>
-          <a:bodyPr/>
-          <a:lstStyle/>
-          <a:p>
-            <a:fld id="{3725F22A-3AC6-4339-8492-9055B605575F}" type="datetime1">
-              <a:rPr lang="en-US" smtClean="0"/>
-              <a:t>6/29/2024</a:t>
-            </a:fld>
-            <a:endParaRPr lang="en-US"/>
-          </a:p>
-        </p:txBody>
-      </p:sp>
-      <p:sp>
-        <p:nvSpPr>
-          <p:cNvPr id="5" name="Footer Placeholder 4">
-            <a:extLst>
-              <a:ext uri="{FF2B5EF4-FFF2-40B4-BE49-F238E27FC236}">
-                <a16:creationId xmlns:a16="http://schemas.microsoft.com/office/drawing/2014/main" id="{D159E3A0-D133-5287-949D-5ED65E2C9502}"/>
-              </a:ext>
-            </a:extLst>
-          </p:cNvPr>
-          <p:cNvSpPr>
-            <a:spLocks noGrp="1"/>
-          </p:cNvSpPr>
-          <p:nvPr>
-            <p:ph type="ftr" sz="quarter" idx="11"/>
-          </p:nvPr>
-        </p:nvSpPr>
-        <p:spPr/>
-        <p:txBody>
-          <a:bodyPr/>
-          <a:lstStyle/>
-          <a:p>
-            <a:r>
-              <a:rPr lang="en-US"/>
-              <a:t>CUEA | Department of Computer &amp; Information Science</a:t>
-            </a:r>
-          </a:p>
-        </p:txBody>
-      </p:sp>
-      <p:sp>
-        <p:nvSpPr>
-          <p:cNvPr id="6" name="Slide Number Placeholder 5">
-            <a:extLst>
-              <a:ext uri="{FF2B5EF4-FFF2-40B4-BE49-F238E27FC236}">
-                <a16:creationId xmlns:a16="http://schemas.microsoft.com/office/drawing/2014/main" id="{23018F7D-550F-26F9-1934-DE07C281ED25}"/>
-              </a:ext>
-            </a:extLst>
-          </p:cNvPr>
-          <p:cNvSpPr>
-            <a:spLocks noGrp="1"/>
-          </p:cNvSpPr>
-          <p:nvPr>
-            <p:ph type="sldNum" sz="quarter" idx="12"/>
-          </p:nvPr>
-        </p:nvSpPr>
-        <p:spPr/>
-        <p:txBody>
-          <a:bodyPr/>
-          <a:lstStyle/>
-          <a:p>
-            <a:fld id="{DDD1C4E3-6544-488F-8BBE-2E6A0588B5A3}" type="slidenum">
-              <a:rPr lang="en-US" smtClean="0"/>
-              <a:t>12</a:t>
             </a:fld>
             <a:endParaRPr lang="en-US"/>
           </a:p>
@@ -4517,7 +4364,7 @@
 </p:sld>
 </file>
 
-<file path=ppt/slides/slide13.xml><?xml version="1.0" encoding="utf-8"?>
+<file path=ppt/slides/slide12.xml><?xml version="1.0" encoding="utf-8"?>
 <p:sld xmlns:a="http://schemas.openxmlformats.org/drawingml/2006/main" xmlns:r="http://schemas.openxmlformats.org/officeDocument/2006/relationships" xmlns:p="http://schemas.openxmlformats.org/presentationml/2006/main">
   <p:cSld>
     <p:spTree>
@@ -4631,7 +4478,7 @@
           <p:cNvPr id="2" name="Title 1">
             <a:extLst>
               <a:ext uri="{FF2B5EF4-FFF2-40B4-BE49-F238E27FC236}">
-                <a16:creationId xmlns:a16="http://schemas.microsoft.com/office/drawing/2014/main" id="{588FEF36-4CC5-EEA1-6E5C-E6D2E0C50B3F}"/>
+                <a16:creationId xmlns:a16="http://schemas.microsoft.com/office/drawing/2014/main" id="{DE19EAB1-6F90-F2DC-29B8-2C999D4EF3BD}"/>
               </a:ext>
             </a:extLst>
           </p:cNvPr>
@@ -4649,7 +4496,7 @@
           <a:p>
             <a:r>
               <a:rPr lang="en-US" dirty="0"/>
-              <a:t>[Notes on slides; Delete or hide this slide]</a:t>
+              <a:t>Content</a:t>
             </a:r>
           </a:p>
         </p:txBody>
@@ -4659,7 +4506,7 @@
           <p:cNvPr id="3" name="Content Placeholder 2">
             <a:extLst>
               <a:ext uri="{FF2B5EF4-FFF2-40B4-BE49-F238E27FC236}">
-                <a16:creationId xmlns:a16="http://schemas.microsoft.com/office/drawing/2014/main" id="{9BAB46F0-4E3A-8946-15FD-942C7257B881}"/>
+                <a16:creationId xmlns:a16="http://schemas.microsoft.com/office/drawing/2014/main" id="{8F502CCC-73FA-885E-5A4F-A57C31DF2DF1}"/>
               </a:ext>
             </a:extLst>
           </p:cNvPr>
@@ -4673,59 +4520,56 @@
         <p:spPr/>
         <p:txBody>
           <a:bodyPr>
-            <a:normAutofit fontScale="85000" lnSpcReduction="20000"/>
+            <a:normAutofit/>
           </a:bodyPr>
           <a:lstStyle/>
           <a:p>
             <a:r>
               <a:rPr lang="en-US" dirty="0"/>
-              <a:t>Only minimal text is expected on the slides</a:t>
-            </a:r>
-          </a:p>
-          <a:p>
-            <a:pPr lvl="1"/>
+              <a:t>Background of the Research</a:t>
+            </a:r>
+          </a:p>
+          <a:p>
             <a:r>
               <a:rPr lang="en-US" dirty="0"/>
-              <a:t>The audience of your presentation is the panel. The panel only needs slides to guide them through your oral presentation. If you need extra notes, use the </a:t>
-            </a:r>
-            <a:r>
-              <a:rPr lang="en-US" b="1" dirty="0"/>
-              <a:t>notes view (view menu/ notes page) </a:t>
-            </a:r>
+              <a:t>Problem Statement</a:t>
+            </a:r>
+          </a:p>
+          <a:p>
             <a:r>
               <a:rPr lang="en-US" dirty="0"/>
-              <a:t>to hide them from the audience but make them available to the presenter/yourself during the presentation] </a:t>
+              <a:t>Main &amp; Specific Objectives</a:t>
             </a:r>
           </a:p>
           <a:p>
             <a:r>
               <a:rPr lang="en-US" dirty="0"/>
-              <a:t>Use a bulleted list or numbered list in your slides. Don’t use continuous prose</a:t>
+              <a:t>Analysis</a:t>
             </a:r>
           </a:p>
           <a:p>
             <a:r>
               <a:rPr lang="en-US" dirty="0"/>
-              <a:t>The projector screen is for the panel, your screen is the laptop screen, make use of it unless it becomes necessary to point at something on the audience screen that the mouse pointer can’t effectively do from your screen.</a:t>
+              <a:t>Design</a:t>
             </a:r>
           </a:p>
           <a:p>
             <a:r>
               <a:rPr lang="en-US" dirty="0"/>
-              <a:t>Rehearsing your presentation minimizes stage fright. </a:t>
-            </a:r>
-          </a:p>
-          <a:p>
-            <a:r>
-              <a:rPr lang="en-US" dirty="0"/>
-              <a:t>Delete all placeholder content in the other slides, that is, content in [square brackets].</a:t>
-            </a:r>
-          </a:p>
-          <a:p>
-            <a:r>
-              <a:rPr lang="en-US" dirty="0"/>
-              <a:t>The panel will check on your research problem, objectives, analysis and design. You will also present the actual incomplete system as guided by your supervisor.</a:t>
-            </a:r>
+              <a:t>Implementation</a:t>
+            </a:r>
+          </a:p>
+          <a:p>
+            <a:pPr marL="0" indent="0">
+              <a:buNone/>
+            </a:pPr>
+            <a:endParaRPr lang="en-US" dirty="0"/>
+          </a:p>
+          <a:p>
+            <a:endParaRPr lang="en-US" dirty="0"/>
+          </a:p>
+          <a:p>
+            <a:endParaRPr lang="en-US" dirty="0"/>
           </a:p>
         </p:txBody>
       </p:sp>
@@ -4734,7 +4578,7 @@
           <p:cNvPr id="4" name="Date Placeholder 3">
             <a:extLst>
               <a:ext uri="{FF2B5EF4-FFF2-40B4-BE49-F238E27FC236}">
-                <a16:creationId xmlns:a16="http://schemas.microsoft.com/office/drawing/2014/main" id="{39FBFC7D-464F-8E47-545C-126CF50C17F4}"/>
+                <a16:creationId xmlns:a16="http://schemas.microsoft.com/office/drawing/2014/main" id="{CF492FC0-BC1D-D037-F1A7-201B16050F9D}"/>
               </a:ext>
             </a:extLst>
           </p:cNvPr>
@@ -4750,9 +4594,9 @@
           <a:bodyPr/>
           <a:lstStyle/>
           <a:p>
-            <a:fld id="{34915275-69A9-4E91-923E-D96F4D81A4CC}" type="datetime1">
+            <a:fld id="{F757C34A-FB17-4502-B8B0-C32B7C226254}" type="datetime1">
               <a:rPr lang="en-US" smtClean="0"/>
-              <a:t>6/29/2024</a:t>
+              <a:t>8/12/2024</a:t>
             </a:fld>
             <a:endParaRPr lang="en-US"/>
           </a:p>
@@ -4763,7 +4607,7 @@
           <p:cNvPr id="5" name="Footer Placeholder 4">
             <a:extLst>
               <a:ext uri="{FF2B5EF4-FFF2-40B4-BE49-F238E27FC236}">
-                <a16:creationId xmlns:a16="http://schemas.microsoft.com/office/drawing/2014/main" id="{9BAC47E2-2CD5-F5CB-4966-6D601C3FC045}"/>
+                <a16:creationId xmlns:a16="http://schemas.microsoft.com/office/drawing/2014/main" id="{9988328C-9DBF-122F-F905-96089718DDAE}"/>
               </a:ext>
             </a:extLst>
           </p:cNvPr>
@@ -4791,7 +4635,7 @@
           <p:cNvPr id="6" name="Slide Number Placeholder 5">
             <a:extLst>
               <a:ext uri="{FF2B5EF4-FFF2-40B4-BE49-F238E27FC236}">
-                <a16:creationId xmlns:a16="http://schemas.microsoft.com/office/drawing/2014/main" id="{1A3C11E9-F395-69BC-94FC-EF1D4EAB3916}"/>
+                <a16:creationId xmlns:a16="http://schemas.microsoft.com/office/drawing/2014/main" id="{14A9A41E-6091-DA20-0FB5-4A1E1CFF425D}"/>
               </a:ext>
             </a:extLst>
           </p:cNvPr>
@@ -4811,14 +4655,14 @@
               <a:rPr lang="en-US" smtClean="0"/>
               <a:t>2</a:t>
             </a:fld>
-            <a:endParaRPr lang="en-US" dirty="0"/>
+            <a:endParaRPr lang="en-US"/>
           </a:p>
         </p:txBody>
       </p:sp>
     </p:spTree>
     <p:extLst>
       <p:ext uri="{BB962C8B-B14F-4D97-AF65-F5344CB8AC3E}">
-        <p14:creationId xmlns:p14="http://schemas.microsoft.com/office/powerpoint/2010/main" val="4250897153"/>
+        <p14:creationId xmlns:p14="http://schemas.microsoft.com/office/powerpoint/2010/main" val="250179694"/>
       </p:ext>
     </p:extLst>
   </p:cSld>
@@ -4850,7 +4694,7 @@
           <p:cNvPr id="2" name="Title 1">
             <a:extLst>
               <a:ext uri="{FF2B5EF4-FFF2-40B4-BE49-F238E27FC236}">
-                <a16:creationId xmlns:a16="http://schemas.microsoft.com/office/drawing/2014/main" id="{DE19EAB1-6F90-F2DC-29B8-2C999D4EF3BD}"/>
+                <a16:creationId xmlns:a16="http://schemas.microsoft.com/office/drawing/2014/main" id="{9B094A01-7AD1-A87C-C007-70C15888762C}"/>
               </a:ext>
             </a:extLst>
           </p:cNvPr>
@@ -4868,7 +4712,7 @@
           <a:p>
             <a:r>
               <a:rPr lang="en-US" dirty="0"/>
-              <a:t>Content</a:t>
+              <a:t>Background of the research</a:t>
             </a:r>
           </a:p>
         </p:txBody>
@@ -4878,7 +4722,7 @@
           <p:cNvPr id="3" name="Content Placeholder 2">
             <a:extLst>
               <a:ext uri="{FF2B5EF4-FFF2-40B4-BE49-F238E27FC236}">
-                <a16:creationId xmlns:a16="http://schemas.microsoft.com/office/drawing/2014/main" id="{8F502CCC-73FA-885E-5A4F-A57C31DF2DF1}"/>
+                <a16:creationId xmlns:a16="http://schemas.microsoft.com/office/drawing/2014/main" id="{003A4990-0FF6-1ED4-49A9-C8EE073769B9}"/>
               </a:ext>
             </a:extLst>
           </p:cNvPr>
@@ -4889,59 +4733,31 @@
             <p:ph idx="1"/>
           </p:nvPr>
         </p:nvSpPr>
-        <p:spPr/>
-        <p:txBody>
-          <a:bodyPr>
-            <a:normAutofit/>
-          </a:bodyPr>
+        <p:spPr>
+          <a:xfrm>
+            <a:off x="688258" y="1455174"/>
+            <a:ext cx="10665542" cy="4721789"/>
+          </a:xfrm>
+        </p:spPr>
+        <p:txBody>
+          <a:bodyPr/>
           <a:lstStyle/>
           <a:p>
             <a:r>
               <a:rPr lang="en-US" dirty="0"/>
-              <a:t>Background of the Research</a:t>
-            </a:r>
-          </a:p>
-          <a:p>
+              <a:t>With the current advances in technology, bakeries need to embrace adaptability to the new area of digitization in order to keep up with the competitive game in their industries. </a:t>
+            </a:r>
+            <a:endParaRPr lang="en-US" dirty="0" smtClean="0"/>
+          </a:p>
+          <a:p>
+            <a:r>
+              <a:rPr lang="en-US" dirty="0" smtClean="0"/>
+              <a:t>This </a:t>
+            </a:r>
             <a:r>
               <a:rPr lang="en-US" dirty="0"/>
-              <a:t>Problem Statement</a:t>
-            </a:r>
-          </a:p>
-          <a:p>
-            <a:r>
-              <a:rPr lang="en-US" dirty="0"/>
-              <a:t>Main &amp; Specific Objectives</a:t>
-            </a:r>
-          </a:p>
-          <a:p>
-            <a:r>
-              <a:rPr lang="en-US" dirty="0"/>
-              <a:t>Analysis</a:t>
-            </a:r>
-          </a:p>
-          <a:p>
-            <a:r>
-              <a:rPr lang="en-US" dirty="0"/>
-              <a:t>Design</a:t>
-            </a:r>
-          </a:p>
-          <a:p>
-            <a:r>
-              <a:rPr lang="en-US" dirty="0"/>
-              <a:t>Implementation</a:t>
-            </a:r>
-          </a:p>
-          <a:p>
-            <a:pPr marL="0" indent="0">
-              <a:buNone/>
-            </a:pPr>
-            <a:endParaRPr lang="en-US" dirty="0"/>
-          </a:p>
-          <a:p>
-            <a:endParaRPr lang="en-US" dirty="0"/>
-          </a:p>
-          <a:p>
-            <a:endParaRPr lang="en-US" dirty="0"/>
+              <a:t>does not only limit to large businesses but also small businesses that have a goal for growth in their business. This includes introduction to Online Bakery Management Systems to the local retail bakeries so that customers can have an easy access to book online for their cakes and pastries and also the store can have an efficient way of managing their customers from their end and be well prepared even for their busy days. </a:t>
+            </a:r>
           </a:p>
         </p:txBody>
       </p:sp>
@@ -4950,7 +4766,7 @@
           <p:cNvPr id="4" name="Date Placeholder 3">
             <a:extLst>
               <a:ext uri="{FF2B5EF4-FFF2-40B4-BE49-F238E27FC236}">
-                <a16:creationId xmlns:a16="http://schemas.microsoft.com/office/drawing/2014/main" id="{CF492FC0-BC1D-D037-F1A7-201B16050F9D}"/>
+                <a16:creationId xmlns:a16="http://schemas.microsoft.com/office/drawing/2014/main" id="{B5C6DE3B-AC07-4A00-832B-0B005D241651}"/>
               </a:ext>
             </a:extLst>
           </p:cNvPr>
@@ -4966,9 +4782,9 @@
           <a:bodyPr/>
           <a:lstStyle/>
           <a:p>
-            <a:fld id="{F757C34A-FB17-4502-B8B0-C32B7C226254}" type="datetime1">
+            <a:fld id="{594A5CCB-E238-42AB-B195-E1B13A2052D1}" type="datetime1">
               <a:rPr lang="en-US" smtClean="0"/>
-              <a:t>6/29/2024</a:t>
+              <a:t>8/12/2024</a:t>
             </a:fld>
             <a:endParaRPr lang="en-US"/>
           </a:p>
@@ -4979,7 +4795,7 @@
           <p:cNvPr id="5" name="Footer Placeholder 4">
             <a:extLst>
               <a:ext uri="{FF2B5EF4-FFF2-40B4-BE49-F238E27FC236}">
-                <a16:creationId xmlns:a16="http://schemas.microsoft.com/office/drawing/2014/main" id="{9988328C-9DBF-122F-F905-96089718DDAE}"/>
+                <a16:creationId xmlns:a16="http://schemas.microsoft.com/office/drawing/2014/main" id="{C066B61C-13C6-A28C-7B39-A66B50C7E01B}"/>
               </a:ext>
             </a:extLst>
           </p:cNvPr>
@@ -5007,7 +4823,7 @@
           <p:cNvPr id="6" name="Slide Number Placeholder 5">
             <a:extLst>
               <a:ext uri="{FF2B5EF4-FFF2-40B4-BE49-F238E27FC236}">
-                <a16:creationId xmlns:a16="http://schemas.microsoft.com/office/drawing/2014/main" id="{14A9A41E-6091-DA20-0FB5-4A1E1CFF425D}"/>
+                <a16:creationId xmlns:a16="http://schemas.microsoft.com/office/drawing/2014/main" id="{0A9F362E-998C-4523-8DE8-25B2FF8BA813}"/>
               </a:ext>
             </a:extLst>
           </p:cNvPr>
@@ -5034,7 +4850,7 @@
     </p:spTree>
     <p:extLst>
       <p:ext uri="{BB962C8B-B14F-4D97-AF65-F5344CB8AC3E}">
-        <p14:creationId xmlns:p14="http://schemas.microsoft.com/office/powerpoint/2010/main" val="250179694"/>
+        <p14:creationId xmlns:p14="http://schemas.microsoft.com/office/powerpoint/2010/main" val="523038997"/>
       </p:ext>
     </p:extLst>
   </p:cSld>
@@ -5066,7 +4882,7 @@
           <p:cNvPr id="2" name="Title 1">
             <a:extLst>
               <a:ext uri="{FF2B5EF4-FFF2-40B4-BE49-F238E27FC236}">
-                <a16:creationId xmlns:a16="http://schemas.microsoft.com/office/drawing/2014/main" id="{9B094A01-7AD1-A87C-C007-70C15888762C}"/>
+                <a16:creationId xmlns:a16="http://schemas.microsoft.com/office/drawing/2014/main" id="{D526968A-4256-592C-90E6-BD9D120FC842}"/>
               </a:ext>
             </a:extLst>
           </p:cNvPr>
@@ -5084,7 +4900,7 @@
           <a:p>
             <a:r>
               <a:rPr lang="en-US" dirty="0"/>
-              <a:t>Background of the research</a:t>
+              <a:t>Main &amp; Specific Objectives</a:t>
             </a:r>
           </a:p>
         </p:txBody>
@@ -5094,7 +4910,7 @@
           <p:cNvPr id="3" name="Content Placeholder 2">
             <a:extLst>
               <a:ext uri="{FF2B5EF4-FFF2-40B4-BE49-F238E27FC236}">
-                <a16:creationId xmlns:a16="http://schemas.microsoft.com/office/drawing/2014/main" id="{003A4990-0FF6-1ED4-49A9-C8EE073769B9}"/>
+                <a16:creationId xmlns:a16="http://schemas.microsoft.com/office/drawing/2014/main" id="{4E119CEB-A598-CB8E-B78C-30CDAD81AD38}"/>
               </a:ext>
             </a:extLst>
           </p:cNvPr>
@@ -5107,29 +4923,102 @@
         </p:nvSpPr>
         <p:spPr>
           <a:xfrm>
-            <a:off x="688258" y="1455174"/>
-            <a:ext cx="10665542" cy="4721789"/>
+            <a:off x="838200" y="1347019"/>
+            <a:ext cx="10515600" cy="4829944"/>
           </a:xfrm>
         </p:spPr>
         <p:txBody>
-          <a:bodyPr/>
-          <a:lstStyle/>
-          <a:p>
+          <a:bodyPr>
+            <a:normAutofit/>
+          </a:bodyPr>
+          <a:lstStyle/>
+          <a:p>
+            <a:pPr marL="0" indent="0">
+              <a:buNone/>
+            </a:pPr>
+            <a:r>
+              <a:rPr lang="en-US" dirty="0" smtClean="0"/>
+              <a:t>Main Objective: To design </a:t>
+            </a:r>
             <a:r>
               <a:rPr lang="en-US" dirty="0"/>
-              <a:t>With the current advances in technology, bakeries need to embrace adaptability to the new area of digitization in order to keep up with the competitive game in their industries. </a:t>
-            </a:r>
+              <a:t>and develop an Online Bakery Management System that will enhance customer outreach for small scale bakery businesses in Kenya</a:t>
+            </a:r>
+            <a:r>
+              <a:rPr lang="en-US" dirty="0" smtClean="0"/>
+              <a:t>.</a:t>
+            </a:r>
+          </a:p>
+          <a:p>
+            <a:pPr marL="0" indent="0">
+              <a:buNone/>
+            </a:pPr>
             <a:endParaRPr lang="en-US" dirty="0" smtClean="0"/>
           </a:p>
           <a:p>
+            <a:pPr marL="0" indent="0">
+              <a:buNone/>
+            </a:pPr>
             <a:r>
               <a:rPr lang="en-US" dirty="0" smtClean="0"/>
-              <a:t>This </a:t>
+              <a:t>Specific Objectives:</a:t>
+            </a:r>
+          </a:p>
+          <a:p>
+            <a:pPr marL="1028700" lvl="1" indent="-571500">
+              <a:buFont typeface="+mj-lt"/>
+              <a:buAutoNum type="romanLcPeriod"/>
+            </a:pPr>
+            <a:r>
+              <a:rPr lang="en-US" dirty="0" smtClean="0"/>
+              <a:t>To </a:t>
             </a:r>
             <a:r>
               <a:rPr lang="en-US" dirty="0"/>
-              <a:t>does not only limit to large businesses but also small businesses that have a goal for growth in their business. This includes introduction to Online Bakery Management Systems to the local retail bakeries so that customers can have an easy access to book online for their cakes and pastries and also the store can have an efficient way of managing their customers from their end and be well prepared even for their busy days. </a:t>
-            </a:r>
+              <a:t>determine user requirements for the envisioned system.</a:t>
+            </a:r>
+          </a:p>
+          <a:p>
+            <a:pPr marL="1028700" lvl="1" indent="-571500">
+              <a:buFont typeface="+mj-lt"/>
+              <a:buAutoNum type="romanLcPeriod"/>
+            </a:pPr>
+            <a:r>
+              <a:rPr lang="en-US" dirty="0"/>
+              <a:t>To develop conceptual and technical designs based on the user requirements.</a:t>
+            </a:r>
+          </a:p>
+          <a:p>
+            <a:pPr marL="1028700" lvl="1" indent="-571500">
+              <a:buFont typeface="+mj-lt"/>
+              <a:buAutoNum type="romanLcPeriod"/>
+            </a:pPr>
+            <a:r>
+              <a:rPr lang="en-US" dirty="0"/>
+              <a:t>To implement the designed system using appropriate programming languages and technologies.</a:t>
+            </a:r>
+          </a:p>
+          <a:p>
+            <a:pPr marL="1028700" lvl="1" indent="-571500">
+              <a:buFont typeface="+mj-lt"/>
+              <a:buAutoNum type="romanLcPeriod"/>
+            </a:pPr>
+            <a:r>
+              <a:rPr lang="en-US" dirty="0"/>
+              <a:t>To execute testing procedures so as to identify and address any defects or discrepancies of the developed system.</a:t>
+            </a:r>
+          </a:p>
+          <a:p>
+            <a:pPr marL="0" indent="0">
+              <a:buNone/>
+            </a:pPr>
+            <a:endParaRPr lang="en-US" dirty="0" smtClean="0"/>
+          </a:p>
+          <a:p>
+            <a:pPr marL="0" indent="0">
+              <a:buNone/>
+            </a:pPr>
+            <a:endParaRPr lang="en-US" dirty="0"/>
           </a:p>
         </p:txBody>
       </p:sp>
@@ -5138,7 +5027,7 @@
           <p:cNvPr id="4" name="Date Placeholder 3">
             <a:extLst>
               <a:ext uri="{FF2B5EF4-FFF2-40B4-BE49-F238E27FC236}">
-                <a16:creationId xmlns:a16="http://schemas.microsoft.com/office/drawing/2014/main" id="{B5C6DE3B-AC07-4A00-832B-0B005D241651}"/>
+                <a16:creationId xmlns:a16="http://schemas.microsoft.com/office/drawing/2014/main" id="{076F7429-3E40-586C-BF72-AEAF0C146381}"/>
               </a:ext>
             </a:extLst>
           </p:cNvPr>
@@ -5154,9 +5043,9 @@
           <a:bodyPr/>
           <a:lstStyle/>
           <a:p>
-            <a:fld id="{594A5CCB-E238-42AB-B195-E1B13A2052D1}" type="datetime1">
+            <a:fld id="{67F80246-0887-40D7-A50C-F8D8F0CA8691}" type="datetime1">
               <a:rPr lang="en-US" smtClean="0"/>
-              <a:t>6/29/2024</a:t>
+              <a:t>8/12/2024</a:t>
             </a:fld>
             <a:endParaRPr lang="en-US"/>
           </a:p>
@@ -5167,7 +5056,7 @@
           <p:cNvPr id="5" name="Footer Placeholder 4">
             <a:extLst>
               <a:ext uri="{FF2B5EF4-FFF2-40B4-BE49-F238E27FC236}">
-                <a16:creationId xmlns:a16="http://schemas.microsoft.com/office/drawing/2014/main" id="{C066B61C-13C6-A28C-7B39-A66B50C7E01B}"/>
+                <a16:creationId xmlns:a16="http://schemas.microsoft.com/office/drawing/2014/main" id="{0A9398B1-FAEB-5511-6665-168AB9B9A3DA}"/>
               </a:ext>
             </a:extLst>
           </p:cNvPr>
@@ -5195,7 +5084,7 @@
           <p:cNvPr id="6" name="Slide Number Placeholder 5">
             <a:extLst>
               <a:ext uri="{FF2B5EF4-FFF2-40B4-BE49-F238E27FC236}">
-                <a16:creationId xmlns:a16="http://schemas.microsoft.com/office/drawing/2014/main" id="{0A9F362E-998C-4523-8DE8-25B2FF8BA813}"/>
+                <a16:creationId xmlns:a16="http://schemas.microsoft.com/office/drawing/2014/main" id="{4780CD73-2FDA-0804-4269-EEF12AF27E6B}"/>
               </a:ext>
             </a:extLst>
           </p:cNvPr>
@@ -5222,7 +5111,7 @@
     </p:spTree>
     <p:extLst>
       <p:ext uri="{BB962C8B-B14F-4D97-AF65-F5344CB8AC3E}">
-        <p14:creationId xmlns:p14="http://schemas.microsoft.com/office/powerpoint/2010/main" val="523038997"/>
+        <p14:creationId xmlns:p14="http://schemas.microsoft.com/office/powerpoint/2010/main" val="1611932910"/>
       </p:ext>
     </p:extLst>
   </p:cSld>
@@ -5254,7 +5143,7 @@
           <p:cNvPr id="2" name="Title 1">
             <a:extLst>
               <a:ext uri="{FF2B5EF4-FFF2-40B4-BE49-F238E27FC236}">
-                <a16:creationId xmlns:a16="http://schemas.microsoft.com/office/drawing/2014/main" id="{D526968A-4256-592C-90E6-BD9D120FC842}"/>
+                <a16:creationId xmlns:a16="http://schemas.microsoft.com/office/drawing/2014/main" id="{F6C9761E-C157-1CDF-556B-A50FA15C7E21}"/>
               </a:ext>
             </a:extLst>
           </p:cNvPr>
@@ -5271,126 +5160,200 @@
           <a:lstStyle/>
           <a:p>
             <a:r>
+              <a:rPr lang="en-GB" dirty="0"/>
+              <a:t>Analysis(1)</a:t>
+            </a:r>
+          </a:p>
+        </p:txBody>
+      </p:sp>
+      <p:sp>
+        <p:nvSpPr>
+          <p:cNvPr id="3" name="Content Placeholder 2">
+            <a:extLst>
+              <a:ext uri="{FF2B5EF4-FFF2-40B4-BE49-F238E27FC236}">
+                <a16:creationId xmlns:a16="http://schemas.microsoft.com/office/drawing/2014/main" id="{6D023580-1756-B799-317E-DD71E5821E3D}"/>
+              </a:ext>
+            </a:extLst>
+          </p:cNvPr>
+          <p:cNvSpPr>
+            <a:spLocks noGrp="1"/>
+          </p:cNvSpPr>
+          <p:nvPr>
+            <p:ph idx="1"/>
+          </p:nvPr>
+        </p:nvSpPr>
+        <p:spPr/>
+        <p:txBody>
+          <a:bodyPr>
+            <a:normAutofit fontScale="92500" lnSpcReduction="20000"/>
+          </a:bodyPr>
+          <a:lstStyle/>
+          <a:p>
+            <a:pPr marL="0" lvl="1"/>
+            <a:r>
+              <a:rPr lang="en-GB" sz="2800" dirty="0">
+                <a:sym typeface="+mn-ea"/>
+              </a:rPr>
+              <a:t>Functional</a:t>
+            </a:r>
+            <a:r>
+              <a:rPr lang="en-US" sz="2800" dirty="0">
+                <a:sym typeface="+mn-ea"/>
+              </a:rPr>
+              <a:t> requirements</a:t>
+            </a:r>
+          </a:p>
+          <a:p>
+            <a:pPr marL="914400" lvl="1" indent="-457200">
+              <a:buFont typeface="Arial" panose="020B0604020202020204" pitchFamily="34" charset="0"/>
+              <a:buAutoNum type="arabicPeriod"/>
+            </a:pPr>
+            <a:r>
               <a:rPr lang="en-US" dirty="0"/>
-              <a:t>Main &amp; Specific Objectives</a:t>
-            </a:r>
-          </a:p>
-        </p:txBody>
-      </p:sp>
-      <p:sp>
-        <p:nvSpPr>
-          <p:cNvPr id="3" name="Content Placeholder 2">
-            <a:extLst>
-              <a:ext uri="{FF2B5EF4-FFF2-40B4-BE49-F238E27FC236}">
-                <a16:creationId xmlns:a16="http://schemas.microsoft.com/office/drawing/2014/main" id="{4E119CEB-A598-CB8E-B78C-30CDAD81AD38}"/>
-              </a:ext>
-            </a:extLst>
-          </p:cNvPr>
-          <p:cNvSpPr>
-            <a:spLocks noGrp="1"/>
-          </p:cNvSpPr>
-          <p:nvPr>
-            <p:ph idx="1"/>
-          </p:nvPr>
-        </p:nvSpPr>
-        <p:spPr>
-          <a:xfrm>
-            <a:off x="838200" y="1347019"/>
-            <a:ext cx="10515600" cy="4829944"/>
-          </a:xfrm>
-        </p:spPr>
-        <p:txBody>
-          <a:bodyPr>
-            <a:normAutofit/>
-          </a:bodyPr>
-          <a:lstStyle/>
+              <a:t>User Interaction: User Registration, </a:t>
+            </a:r>
+            <a:r>
+              <a:rPr lang="en-US" dirty="0" smtClean="0"/>
+              <a:t>Admin Registration.</a:t>
+            </a:r>
+            <a:endParaRPr lang="en-US" dirty="0"/>
+          </a:p>
+          <a:p>
+            <a:pPr marL="914400" lvl="1" indent="-457200">
+              <a:buAutoNum type="arabicPeriod"/>
+            </a:pPr>
+            <a:r>
+              <a:rPr lang="en-US" dirty="0" smtClean="0"/>
+              <a:t>Placing of orders by the customer successfully.</a:t>
+            </a:r>
+            <a:endParaRPr lang="en-US" dirty="0"/>
+          </a:p>
+          <a:p>
+            <a:pPr marL="914400" lvl="1" indent="-457200">
+              <a:buAutoNum type="arabicPeriod"/>
+            </a:pPr>
+            <a:r>
+              <a:rPr lang="en-US" dirty="0"/>
+              <a:t>B</a:t>
+            </a:r>
+            <a:r>
+              <a:rPr lang="en-US" dirty="0" smtClean="0"/>
+              <a:t>akery owner(admin) </a:t>
+            </a:r>
+            <a:r>
+              <a:rPr lang="en-US" dirty="0"/>
+              <a:t>to update the menu with ease, which includes </a:t>
+            </a:r>
+            <a:r>
+              <a:rPr lang="en-US" dirty="0" smtClean="0"/>
+              <a:t>Creation, Update and Deletion of </a:t>
+            </a:r>
+            <a:r>
+              <a:rPr lang="en-US" dirty="0"/>
+              <a:t>the products in the store depending on their availability and their </a:t>
+            </a:r>
+            <a:r>
+              <a:rPr lang="en-US" dirty="0" smtClean="0"/>
+              <a:t>prices.</a:t>
+            </a:r>
+          </a:p>
+          <a:p>
+            <a:pPr marL="914400" lvl="1" indent="-457200">
+              <a:buAutoNum type="arabicPeriod"/>
+            </a:pPr>
+            <a:r>
+              <a:rPr lang="en-US" dirty="0" smtClean="0"/>
+              <a:t>Provision </a:t>
+            </a:r>
+            <a:r>
+              <a:rPr lang="en-US" dirty="0"/>
+              <a:t>of recommendations</a:t>
+            </a:r>
+          </a:p>
+          <a:p>
+            <a:r>
+              <a:rPr lang="en-US" dirty="0"/>
+              <a:t> </a:t>
+            </a:r>
+            <a:r>
+              <a:rPr lang="en-GB" altLang="en-US" dirty="0"/>
+              <a:t>Non- </a:t>
+            </a:r>
+            <a:r>
+              <a:rPr lang="en-US" dirty="0"/>
+              <a:t>Functional</a:t>
+            </a:r>
+            <a:r>
+              <a:rPr lang="en-GB" altLang="en-US" dirty="0"/>
+              <a:t> requirements</a:t>
+            </a:r>
+          </a:p>
+          <a:p>
+            <a:pPr marL="914400" lvl="1" indent="-457200">
+              <a:buAutoNum type="arabicPeriod"/>
+            </a:pPr>
+            <a:r>
+              <a:rPr lang="en-US" dirty="0"/>
+              <a:t>User friendly User Interface</a:t>
+            </a:r>
+            <a:endParaRPr lang="en-US" sz="2380" dirty="0"/>
+          </a:p>
+          <a:p>
+            <a:pPr marL="914400" lvl="1" indent="-457200">
+              <a:buAutoNum type="arabicPeriod"/>
+            </a:pPr>
+            <a:r>
+              <a:rPr lang="en-US" dirty="0"/>
+              <a:t>Responsive Design</a:t>
+            </a:r>
+          </a:p>
+          <a:p>
+            <a:pPr marL="914400" lvl="1" indent="-457200">
+              <a:buAutoNum type="arabicPeriod"/>
+            </a:pPr>
+            <a:r>
+              <a:rPr lang="en-US" dirty="0"/>
+              <a:t>Compatibility</a:t>
+            </a:r>
+          </a:p>
+          <a:p>
+            <a:pPr marL="914400" lvl="1" indent="-457200">
+              <a:buAutoNum type="arabicPeriod"/>
+            </a:pPr>
+            <a:r>
+              <a:rPr lang="en-US" dirty="0"/>
+              <a:t>Availability</a:t>
+            </a:r>
+          </a:p>
+          <a:p>
+            <a:pPr marL="914400" lvl="1" indent="-457200">
+              <a:buAutoNum type="arabicPeriod"/>
+            </a:pPr>
+            <a:r>
+              <a:rPr lang="en-US" dirty="0"/>
+              <a:t>Efficiency</a:t>
+            </a:r>
+          </a:p>
+          <a:p>
+            <a:pPr marL="914400" lvl="1" indent="-457200">
+              <a:buAutoNum type="arabicPeriod"/>
+            </a:pPr>
+            <a:r>
+              <a:rPr lang="en-US" dirty="0"/>
+              <a:t>Reliability</a:t>
+            </a:r>
+          </a:p>
+          <a:p>
+            <a:endParaRPr lang="en-US" dirty="0"/>
+          </a:p>
+          <a:p>
+            <a:endParaRPr lang="en-US" dirty="0"/>
+          </a:p>
           <a:p>
             <a:pPr marL="0" indent="0">
               <a:buNone/>
             </a:pPr>
-            <a:r>
-              <a:rPr lang="en-US" dirty="0" smtClean="0"/>
-              <a:t>Main Objective: To design </a:t>
-            </a:r>
-            <a:r>
-              <a:rPr lang="en-US" dirty="0"/>
-              <a:t>and develop an Online Bakery Management System that will enhance customer outreach for small scale bakery businesses in Kenya</a:t>
-            </a:r>
-            <a:r>
-              <a:rPr lang="en-US" dirty="0" smtClean="0"/>
-              <a:t>.</a:t>
-            </a:r>
-          </a:p>
-          <a:p>
-            <a:pPr marL="0" indent="0">
-              <a:buNone/>
-            </a:pPr>
-            <a:endParaRPr lang="en-US" dirty="0" smtClean="0"/>
-          </a:p>
-          <a:p>
-            <a:pPr marL="0" indent="0">
-              <a:buNone/>
-            </a:pPr>
-            <a:r>
-              <a:rPr lang="en-US" dirty="0" smtClean="0"/>
-              <a:t>Specific Objectives:</a:t>
-            </a:r>
-          </a:p>
-          <a:p>
-            <a:pPr marL="1028700" lvl="1" indent="-571500">
-              <a:buFont typeface="+mj-lt"/>
-              <a:buAutoNum type="romanLcPeriod"/>
-            </a:pPr>
-            <a:r>
-              <a:rPr lang="en-US" dirty="0" smtClean="0"/>
-              <a:t>To </a:t>
-            </a:r>
-            <a:r>
-              <a:rPr lang="en-US" dirty="0"/>
-              <a:t>determine user requirements for the envisioned system.</a:t>
-            </a:r>
-          </a:p>
-          <a:p>
-            <a:pPr marL="1028700" lvl="1" indent="-571500">
-              <a:buFont typeface="+mj-lt"/>
-              <a:buAutoNum type="romanLcPeriod"/>
-            </a:pPr>
-            <a:r>
-              <a:rPr lang="en-US" dirty="0"/>
-              <a:t>To develop conceptual and technical designs based on the user requirements.</a:t>
-            </a:r>
-          </a:p>
-          <a:p>
-            <a:pPr marL="1028700" lvl="1" indent="-571500">
-              <a:buFont typeface="+mj-lt"/>
-              <a:buAutoNum type="romanLcPeriod"/>
-            </a:pPr>
-            <a:r>
-              <a:rPr lang="en-US" dirty="0"/>
-              <a:t>To implement the designed system using appropriate programming languages and technologies.</a:t>
-            </a:r>
-          </a:p>
-          <a:p>
-            <a:pPr marL="1028700" lvl="1" indent="-571500">
-              <a:buFont typeface="+mj-lt"/>
-              <a:buAutoNum type="romanLcPeriod"/>
-            </a:pPr>
-            <a:r>
-              <a:rPr lang="en-US" dirty="0"/>
-              <a:t>To execute testing procedures so as to identify and address any defects or discrepancies of the developed system.</a:t>
-            </a:r>
-          </a:p>
-          <a:p>
-            <a:pPr marL="0" indent="0">
-              <a:buNone/>
-            </a:pPr>
-            <a:endParaRPr lang="en-US" dirty="0" smtClean="0"/>
-          </a:p>
-          <a:p>
-            <a:pPr marL="0" indent="0">
-              <a:buNone/>
-            </a:pPr>
-            <a:endParaRPr lang="en-US" dirty="0"/>
+            <a:endParaRPr lang="en-GB" dirty="0"/>
           </a:p>
         </p:txBody>
       </p:sp>
@@ -5399,7 +5362,7 @@
           <p:cNvPr id="4" name="Date Placeholder 3">
             <a:extLst>
               <a:ext uri="{FF2B5EF4-FFF2-40B4-BE49-F238E27FC236}">
-                <a16:creationId xmlns:a16="http://schemas.microsoft.com/office/drawing/2014/main" id="{076F7429-3E40-586C-BF72-AEAF0C146381}"/>
+                <a16:creationId xmlns:a16="http://schemas.microsoft.com/office/drawing/2014/main" id="{AFABC360-68E0-EFB1-A657-8EAE1C94F0EB}"/>
               </a:ext>
             </a:extLst>
           </p:cNvPr>
@@ -5415,9 +5378,9 @@
           <a:bodyPr/>
           <a:lstStyle/>
           <a:p>
-            <a:fld id="{67F80246-0887-40D7-A50C-F8D8F0CA8691}" type="datetime1">
+            <a:fld id="{3725F22A-3AC6-4339-8492-9055B605575F}" type="datetime1">
               <a:rPr lang="en-US" smtClean="0"/>
-              <a:t>6/29/2024</a:t>
+              <a:t>8/12/2024</a:t>
             </a:fld>
             <a:endParaRPr lang="en-US"/>
           </a:p>
@@ -5428,7 +5391,7 @@
           <p:cNvPr id="5" name="Footer Placeholder 4">
             <a:extLst>
               <a:ext uri="{FF2B5EF4-FFF2-40B4-BE49-F238E27FC236}">
-                <a16:creationId xmlns:a16="http://schemas.microsoft.com/office/drawing/2014/main" id="{0A9398B1-FAEB-5511-6665-168AB9B9A3DA}"/>
+                <a16:creationId xmlns:a16="http://schemas.microsoft.com/office/drawing/2014/main" id="{216C50D5-6073-DBBF-0B07-821D57DC39F6}"/>
               </a:ext>
             </a:extLst>
           </p:cNvPr>
@@ -5456,7 +5419,7 @@
           <p:cNvPr id="6" name="Slide Number Placeholder 5">
             <a:extLst>
               <a:ext uri="{FF2B5EF4-FFF2-40B4-BE49-F238E27FC236}">
-                <a16:creationId xmlns:a16="http://schemas.microsoft.com/office/drawing/2014/main" id="{4780CD73-2FDA-0804-4269-EEF12AF27E6B}"/>
+                <a16:creationId xmlns:a16="http://schemas.microsoft.com/office/drawing/2014/main" id="{A8CB7B2C-7F3D-4EFF-AC4A-C0ED4C907CCA}"/>
               </a:ext>
             </a:extLst>
           </p:cNvPr>
@@ -5483,7 +5446,7 @@
     </p:spTree>
     <p:extLst>
       <p:ext uri="{BB962C8B-B14F-4D97-AF65-F5344CB8AC3E}">
-        <p14:creationId xmlns:p14="http://schemas.microsoft.com/office/powerpoint/2010/main" val="1611932910"/>
+        <p14:creationId xmlns:p14="http://schemas.microsoft.com/office/powerpoint/2010/main" val="4126809911"/>
       </p:ext>
     </p:extLst>
   </p:cSld>
@@ -5515,7 +5478,7 @@
           <p:cNvPr id="2" name="Title 1">
             <a:extLst>
               <a:ext uri="{FF2B5EF4-FFF2-40B4-BE49-F238E27FC236}">
-                <a16:creationId xmlns:a16="http://schemas.microsoft.com/office/drawing/2014/main" id="{F6C9761E-C157-1CDF-556B-A50FA15C7E21}"/>
+                <a16:creationId xmlns:a16="http://schemas.microsoft.com/office/drawing/2014/main" id="{419C63A2-0CCD-7A85-71E9-4FC2D1CD1332}"/>
               </a:ext>
             </a:extLst>
           </p:cNvPr>
@@ -5533,8 +5496,13 @@
           <a:p>
             <a:r>
               <a:rPr lang="en-GB" dirty="0"/>
-              <a:t>Analysis(1)</a:t>
-            </a:r>
+              <a:t>Analysis(2</a:t>
+            </a:r>
+            <a:r>
+              <a:rPr lang="en-GB" dirty="0" smtClean="0"/>
+              <a:t>)</a:t>
+            </a:r>
+            <a:endParaRPr lang="en-GB" dirty="0"/>
           </a:p>
         </p:txBody>
       </p:sp>
@@ -5543,7 +5511,7 @@
           <p:cNvPr id="3" name="Content Placeholder 2">
             <a:extLst>
               <a:ext uri="{FF2B5EF4-FFF2-40B4-BE49-F238E27FC236}">
-                <a16:creationId xmlns:a16="http://schemas.microsoft.com/office/drawing/2014/main" id="{6D023580-1756-B799-317E-DD71E5821E3D}"/>
+                <a16:creationId xmlns:a16="http://schemas.microsoft.com/office/drawing/2014/main" id="{02532654-278F-438E-1CE9-4EE9C2187A4E}"/>
               </a:ext>
             </a:extLst>
           </p:cNvPr>
@@ -5554,179 +5522,21 @@
             <p:ph idx="1"/>
           </p:nvPr>
         </p:nvSpPr>
-        <p:spPr/>
-        <p:txBody>
-          <a:bodyPr>
-            <a:normAutofit fontScale="92500" lnSpcReduction="20000"/>
-          </a:bodyPr>
-          <a:lstStyle/>
-          <a:p>
-            <a:pPr marL="0" lvl="1"/>
-            <a:r>
-              <a:rPr lang="en-GB" sz="2800" dirty="0">
-                <a:sym typeface="+mn-ea"/>
-              </a:rPr>
-              <a:t>Functional</a:t>
-            </a:r>
-            <a:r>
-              <a:rPr lang="en-US" sz="2800" dirty="0">
-                <a:sym typeface="+mn-ea"/>
-              </a:rPr>
-              <a:t> requirements</a:t>
-            </a:r>
-          </a:p>
-          <a:p>
-            <a:pPr marL="914400" lvl="1" indent="-457200">
-              <a:buFont typeface="Arial" panose="020B0604020202020204" pitchFamily="34" charset="0"/>
-              <a:buAutoNum type="arabicPeriod"/>
-            </a:pPr>
-            <a:r>
-              <a:rPr lang="en-US" dirty="0"/>
-              <a:t>User Interaction: User Registration, </a:t>
-            </a:r>
-            <a:r>
-              <a:rPr lang="en-US" dirty="0" smtClean="0"/>
-              <a:t>Admin Registration.</a:t>
-            </a:r>
-            <a:endParaRPr lang="en-US" dirty="0"/>
-          </a:p>
-          <a:p>
-            <a:pPr marL="914400" lvl="1" indent="-457200">
-              <a:buAutoNum type="arabicPeriod"/>
-            </a:pPr>
-            <a:r>
-              <a:rPr lang="en-US" dirty="0" smtClean="0"/>
-              <a:t>Placing of orders by the customer successfully.</a:t>
-            </a:r>
-            <a:endParaRPr lang="en-US" dirty="0"/>
-          </a:p>
-          <a:p>
-            <a:pPr marL="914400" lvl="1" indent="-457200">
-              <a:buAutoNum type="arabicPeriod"/>
-            </a:pPr>
-            <a:r>
-              <a:rPr lang="en-US" dirty="0"/>
-              <a:t>B</a:t>
-            </a:r>
-            <a:r>
-              <a:rPr lang="en-US" dirty="0" smtClean="0"/>
-              <a:t>akery owner(admin) </a:t>
-            </a:r>
-            <a:r>
-              <a:rPr lang="en-US" dirty="0"/>
-              <a:t>to update the menu with ease, which includes </a:t>
-            </a:r>
-            <a:r>
-              <a:rPr lang="en-US" dirty="0" smtClean="0"/>
-              <a:t>Creation, Update and Deletion of </a:t>
-            </a:r>
-            <a:r>
-              <a:rPr lang="en-US" dirty="0"/>
-              <a:t>the products in the store depending on their availability and their </a:t>
-            </a:r>
-            <a:r>
-              <a:rPr lang="en-US" dirty="0" smtClean="0"/>
-              <a:t>prices.</a:t>
-            </a:r>
-          </a:p>
-          <a:p>
-            <a:pPr marL="914400" lvl="1" indent="-457200">
-              <a:buAutoNum type="arabicPeriod"/>
-            </a:pPr>
-            <a:r>
-              <a:rPr lang="en-US" dirty="0" smtClean="0"/>
-              <a:t>Provision </a:t>
-            </a:r>
-            <a:r>
-              <a:rPr lang="en-US" dirty="0"/>
-              <a:t>of recommendations</a:t>
-            </a:r>
-          </a:p>
-          <a:p>
-            <a:r>
-              <a:rPr lang="en-US" dirty="0"/>
-              <a:t> </a:t>
-            </a:r>
-            <a:r>
-              <a:rPr lang="en-GB" altLang="en-US" dirty="0"/>
-              <a:t>Non- </a:t>
-            </a:r>
-            <a:r>
-              <a:rPr lang="en-US" dirty="0"/>
-              <a:t>Functional</a:t>
-            </a:r>
-            <a:r>
-              <a:rPr lang="en-GB" altLang="en-US" dirty="0"/>
-              <a:t> requirements</a:t>
-            </a:r>
-          </a:p>
-          <a:p>
-            <a:pPr marL="914400" lvl="1" indent="-457200">
-              <a:buAutoNum type="arabicPeriod"/>
-            </a:pPr>
-            <a:r>
-              <a:rPr lang="en-US" dirty="0"/>
-              <a:t>User friendly User Interface</a:t>
-            </a:r>
-            <a:endParaRPr lang="en-US" sz="2380" dirty="0"/>
-          </a:p>
-          <a:p>
-            <a:pPr marL="914400" lvl="1" indent="-457200">
-              <a:buAutoNum type="arabicPeriod"/>
-            </a:pPr>
-            <a:r>
-              <a:rPr lang="en-US" dirty="0"/>
-              <a:t>Responsive Design</a:t>
-            </a:r>
-          </a:p>
-          <a:p>
-            <a:pPr marL="914400" lvl="1" indent="-457200">
-              <a:buAutoNum type="arabicPeriod"/>
-            </a:pPr>
-            <a:r>
-              <a:rPr lang="en-US" dirty="0"/>
-              <a:t>Compatibility</a:t>
-            </a:r>
-          </a:p>
-          <a:p>
-            <a:pPr marL="914400" lvl="1" indent="-457200">
-              <a:buAutoNum type="arabicPeriod"/>
-            </a:pPr>
-            <a:r>
-              <a:rPr lang="en-US" dirty="0"/>
-              <a:t>Availability</a:t>
-            </a:r>
-          </a:p>
-          <a:p>
-            <a:pPr marL="914400" lvl="1" indent="-457200">
-              <a:buAutoNum type="arabicPeriod"/>
-            </a:pPr>
-            <a:r>
-              <a:rPr lang="en-US" dirty="0"/>
-              <a:t>Efficiency</a:t>
-            </a:r>
-          </a:p>
-          <a:p>
-            <a:pPr marL="914400" lvl="1" indent="-457200">
-              <a:buAutoNum type="arabicPeriod"/>
-            </a:pPr>
-            <a:r>
-              <a:rPr lang="en-US" dirty="0"/>
-              <a:t>Reliability</a:t>
-            </a:r>
-          </a:p>
-          <a:p>
-            <a:endParaRPr lang="en-US" dirty="0"/>
-          </a:p>
-          <a:p>
-            <a:endParaRPr lang="en-US" dirty="0"/>
-          </a:p>
-          <a:p>
-            <a:pPr marL="0" indent="0">
-              <a:buNone/>
-            </a:pPr>
+        <p:spPr>
+          <a:xfrm>
+            <a:off x="838200" y="1268361"/>
+            <a:ext cx="10515600" cy="4908602"/>
+          </a:xfrm>
+        </p:spPr>
+        <p:txBody>
+          <a:bodyPr/>
+          <a:lstStyle/>
+          <a:p>
             <a:endParaRPr lang="en-GB" dirty="0"/>
           </a:p>
+          <a:p>
+            <a:endParaRPr lang="en-GB" dirty="0"/>
+          </a:p>
         </p:txBody>
       </p:sp>
       <p:sp>
@@ -5734,7 +5544,7 @@
           <p:cNvPr id="4" name="Date Placeholder 3">
             <a:extLst>
               <a:ext uri="{FF2B5EF4-FFF2-40B4-BE49-F238E27FC236}">
-                <a16:creationId xmlns:a16="http://schemas.microsoft.com/office/drawing/2014/main" id="{AFABC360-68E0-EFB1-A657-8EAE1C94F0EB}"/>
+                <a16:creationId xmlns:a16="http://schemas.microsoft.com/office/drawing/2014/main" id="{2B4DD9C7-B33C-793F-BCAA-00816F72BDF5}"/>
               </a:ext>
             </a:extLst>
           </p:cNvPr>
@@ -5752,7 +5562,7 @@
           <a:p>
             <a:fld id="{3725F22A-3AC6-4339-8492-9055B605575F}" type="datetime1">
               <a:rPr lang="en-US" smtClean="0"/>
-              <a:t>6/29/2024</a:t>
+              <a:t>8/12/2024</a:t>
             </a:fld>
             <a:endParaRPr lang="en-US"/>
           </a:p>
@@ -5763,7 +5573,7 @@
           <p:cNvPr id="5" name="Footer Placeholder 4">
             <a:extLst>
               <a:ext uri="{FF2B5EF4-FFF2-40B4-BE49-F238E27FC236}">
-                <a16:creationId xmlns:a16="http://schemas.microsoft.com/office/drawing/2014/main" id="{216C50D5-6073-DBBF-0B07-821D57DC39F6}"/>
+                <a16:creationId xmlns:a16="http://schemas.microsoft.com/office/drawing/2014/main" id="{674C1612-340F-18BB-4D60-9BA47E43DD92}"/>
               </a:ext>
             </a:extLst>
           </p:cNvPr>
@@ -5791,7 +5601,7 @@
           <p:cNvPr id="6" name="Slide Number Placeholder 5">
             <a:extLst>
               <a:ext uri="{FF2B5EF4-FFF2-40B4-BE49-F238E27FC236}">
-                <a16:creationId xmlns:a16="http://schemas.microsoft.com/office/drawing/2014/main" id="{A8CB7B2C-7F3D-4EFF-AC4A-C0ED4C907CCA}"/>
+                <a16:creationId xmlns:a16="http://schemas.microsoft.com/office/drawing/2014/main" id="{F3269D87-C507-7A30-C961-3C6FFCEDBC8E}"/>
               </a:ext>
             </a:extLst>
           </p:cNvPr>
@@ -5815,10 +5625,54 @@
           </a:p>
         </p:txBody>
       </p:sp>
+      <p:pic>
+        <p:nvPicPr>
+          <p:cNvPr id="8" name="Picture 7"/>
+          <p:cNvPicPr/>
+          <p:nvPr/>
+        </p:nvPicPr>
+        <p:blipFill>
+          <a:blip r:embed="rId2"/>
+          <a:stretch>
+            <a:fillRect/>
+          </a:stretch>
+        </p:blipFill>
+        <p:spPr>
+          <a:xfrm>
+            <a:off x="4146755" y="-90242"/>
+            <a:ext cx="5943600" cy="4737735"/>
+          </a:xfrm>
+          <a:prstGeom prst="rect">
+            <a:avLst/>
+          </a:prstGeom>
+        </p:spPr>
+      </p:pic>
+      <p:pic>
+        <p:nvPicPr>
+          <p:cNvPr id="9" name="Picture 8"/>
+          <p:cNvPicPr/>
+          <p:nvPr/>
+        </p:nvPicPr>
+        <p:blipFill>
+          <a:blip r:embed="rId3"/>
+          <a:stretch>
+            <a:fillRect/>
+          </a:stretch>
+        </p:blipFill>
+        <p:spPr>
+          <a:xfrm>
+            <a:off x="4146755" y="4479827"/>
+            <a:ext cx="5943600" cy="2007235"/>
+          </a:xfrm>
+          <a:prstGeom prst="rect">
+            <a:avLst/>
+          </a:prstGeom>
+        </p:spPr>
+      </p:pic>
     </p:spTree>
     <p:extLst>
       <p:ext uri="{BB962C8B-B14F-4D97-AF65-F5344CB8AC3E}">
-        <p14:creationId xmlns:p14="http://schemas.microsoft.com/office/powerpoint/2010/main" val="4126809911"/>
+        <p14:creationId xmlns:p14="http://schemas.microsoft.com/office/powerpoint/2010/main" val="482426125"/>
       </p:ext>
     </p:extLst>
   </p:cSld>
@@ -5850,7 +5704,7 @@
           <p:cNvPr id="2" name="Title 1">
             <a:extLst>
               <a:ext uri="{FF2B5EF4-FFF2-40B4-BE49-F238E27FC236}">
-                <a16:creationId xmlns:a16="http://schemas.microsoft.com/office/drawing/2014/main" id="{419C63A2-0CCD-7A85-71E9-4FC2D1CD1332}"/>
+                <a16:creationId xmlns:a16="http://schemas.microsoft.com/office/drawing/2014/main" id="{F263E6D5-0F13-0E51-537C-9368A5494FE1}"/>
               </a:ext>
             </a:extLst>
           </p:cNvPr>
@@ -5868,13 +5722,8 @@
           <a:p>
             <a:r>
               <a:rPr lang="en-GB" dirty="0"/>
-              <a:t>Analysis(2</a:t>
-            </a:r>
-            <a:r>
-              <a:rPr lang="en-GB" dirty="0" smtClean="0"/>
-              <a:t>)</a:t>
-            </a:r>
-            <a:endParaRPr lang="en-GB" dirty="0"/>
+              <a:t>Analysis(3)</a:t>
+            </a:r>
           </a:p>
         </p:txBody>
       </p:sp>
@@ -5883,7 +5732,7 @@
           <p:cNvPr id="3" name="Content Placeholder 2">
             <a:extLst>
               <a:ext uri="{FF2B5EF4-FFF2-40B4-BE49-F238E27FC236}">
-                <a16:creationId xmlns:a16="http://schemas.microsoft.com/office/drawing/2014/main" id="{02532654-278F-438E-1CE9-4EE9C2187A4E}"/>
+                <a16:creationId xmlns:a16="http://schemas.microsoft.com/office/drawing/2014/main" id="{C97AC3BE-ED68-A2D0-8F16-C588B8654C96}"/>
               </a:ext>
             </a:extLst>
           </p:cNvPr>
@@ -5894,20 +5743,109 @@
             <p:ph idx="1"/>
           </p:nvPr>
         </p:nvSpPr>
-        <p:spPr>
-          <a:xfrm>
-            <a:off x="838200" y="1268361"/>
-            <a:ext cx="10515600" cy="4908602"/>
-          </a:xfrm>
-        </p:spPr>
-        <p:txBody>
-          <a:bodyPr/>
-          <a:lstStyle/>
-          <a:p>
-            <a:endParaRPr lang="en-GB" dirty="0"/>
-          </a:p>
-          <a:p>
-            <a:endParaRPr lang="en-GB" dirty="0"/>
+        <p:spPr/>
+        <p:txBody>
+          <a:bodyPr>
+            <a:normAutofit/>
+          </a:bodyPr>
+          <a:lstStyle/>
+          <a:p>
+            <a:r>
+              <a:rPr lang="en-US" dirty="0"/>
+              <a:t>System users/actors</a:t>
+            </a:r>
+          </a:p>
+          <a:p>
+            <a:pPr lvl="1"/>
+            <a:r>
+              <a:rPr lang="en-US" dirty="0" smtClean="0"/>
+              <a:t>Bakery Owner</a:t>
+            </a:r>
+          </a:p>
+          <a:p>
+            <a:pPr lvl="1"/>
+            <a:r>
+              <a:rPr lang="en-US" dirty="0" smtClean="0"/>
+              <a:t>Bakery customers</a:t>
+            </a:r>
+            <a:endParaRPr lang="en-US" dirty="0"/>
+          </a:p>
+          <a:p>
+            <a:r>
+              <a:rPr lang="en-US" dirty="0"/>
+              <a:t>System Input/ Input </a:t>
+            </a:r>
+            <a:r>
+              <a:rPr lang="en-US" dirty="0" smtClean="0"/>
+              <a:t>forms</a:t>
+            </a:r>
+          </a:p>
+          <a:p>
+            <a:r>
+              <a:rPr lang="en-US" dirty="0" smtClean="0"/>
+              <a:t>Custom cake </a:t>
+            </a:r>
+            <a:r>
+              <a:rPr lang="en-US" dirty="0" err="1" smtClean="0"/>
+              <a:t>order,Login,Admin</a:t>
+            </a:r>
+            <a:r>
+              <a:rPr lang="en-US" dirty="0" smtClean="0"/>
+              <a:t> product insertion</a:t>
+            </a:r>
+            <a:endParaRPr lang="en-US" dirty="0"/>
+          </a:p>
+          <a:p>
+            <a:r>
+              <a:rPr lang="en-US" dirty="0" smtClean="0"/>
+              <a:t>System </a:t>
+            </a:r>
+            <a:r>
+              <a:rPr lang="en-US" dirty="0"/>
+              <a:t>output/ Reports</a:t>
+            </a:r>
+          </a:p>
+          <a:p>
+            <a:pPr lvl="1"/>
+            <a:r>
+              <a:rPr lang="en-US" dirty="0" smtClean="0"/>
+              <a:t>Order </a:t>
+            </a:r>
+            <a:r>
+              <a:rPr lang="en-US" dirty="0" smtClean="0"/>
+              <a:t>Reports </a:t>
+            </a:r>
+            <a:r>
+              <a:rPr lang="en-US" dirty="0" err="1" smtClean="0"/>
+              <a:t>completed,Inventory</a:t>
+            </a:r>
+            <a:r>
+              <a:rPr lang="en-US" dirty="0" smtClean="0"/>
+              <a:t> </a:t>
+            </a:r>
+            <a:r>
+              <a:rPr lang="en-US" dirty="0" smtClean="0"/>
+              <a:t>reports, Product </a:t>
+            </a:r>
+            <a:r>
+              <a:rPr lang="en-US" dirty="0" smtClean="0"/>
+              <a:t>Reports</a:t>
+            </a:r>
+            <a:endParaRPr lang="en-US" dirty="0"/>
+          </a:p>
+          <a:p>
+            <a:r>
+              <a:rPr lang="en-US" dirty="0"/>
+              <a:t>System Entities</a:t>
+            </a:r>
+          </a:p>
+          <a:p>
+            <a:pPr lvl="1"/>
+            <a:r>
+              <a:rPr lang="en-US" dirty="0" smtClean="0"/>
+              <a:t>Bakery, Customer, Order, Order item, Product, Inventory</a:t>
+            </a:r>
+            <a:endParaRPr lang="en-US" dirty="0"/>
           </a:p>
         </p:txBody>
       </p:sp>
@@ -5916,7 +5854,7 @@
           <p:cNvPr id="4" name="Date Placeholder 3">
             <a:extLst>
               <a:ext uri="{FF2B5EF4-FFF2-40B4-BE49-F238E27FC236}">
-                <a16:creationId xmlns:a16="http://schemas.microsoft.com/office/drawing/2014/main" id="{2B4DD9C7-B33C-793F-BCAA-00816F72BDF5}"/>
+                <a16:creationId xmlns:a16="http://schemas.microsoft.com/office/drawing/2014/main" id="{09D6AA13-1006-88AC-EEED-7BF8CA6D8F71}"/>
               </a:ext>
             </a:extLst>
           </p:cNvPr>
@@ -5934,7 +5872,7 @@
           <a:p>
             <a:fld id="{3725F22A-3AC6-4339-8492-9055B605575F}" type="datetime1">
               <a:rPr lang="en-US" smtClean="0"/>
-              <a:t>6/29/2024</a:t>
+              <a:t>8/12/2024</a:t>
             </a:fld>
             <a:endParaRPr lang="en-US"/>
           </a:p>
@@ -5945,7 +5883,7 @@
           <p:cNvPr id="5" name="Footer Placeholder 4">
             <a:extLst>
               <a:ext uri="{FF2B5EF4-FFF2-40B4-BE49-F238E27FC236}">
-                <a16:creationId xmlns:a16="http://schemas.microsoft.com/office/drawing/2014/main" id="{674C1612-340F-18BB-4D60-9BA47E43DD92}"/>
+                <a16:creationId xmlns:a16="http://schemas.microsoft.com/office/drawing/2014/main" id="{3726A518-152A-2D2F-5997-0A31F50404A7}"/>
               </a:ext>
             </a:extLst>
           </p:cNvPr>
@@ -5973,7 +5911,7 @@
           <p:cNvPr id="6" name="Slide Number Placeholder 5">
             <a:extLst>
               <a:ext uri="{FF2B5EF4-FFF2-40B4-BE49-F238E27FC236}">
-                <a16:creationId xmlns:a16="http://schemas.microsoft.com/office/drawing/2014/main" id="{F3269D87-C507-7A30-C961-3C6FFCEDBC8E}"/>
+                <a16:creationId xmlns:a16="http://schemas.microsoft.com/office/drawing/2014/main" id="{F0D87AF9-1BC0-07A6-303F-2FE743D8A27F}"/>
               </a:ext>
             </a:extLst>
           </p:cNvPr>
@@ -6000,7 +5938,7 @@
     </p:spTree>
     <p:extLst>
       <p:ext uri="{BB962C8B-B14F-4D97-AF65-F5344CB8AC3E}">
-        <p14:creationId xmlns:p14="http://schemas.microsoft.com/office/powerpoint/2010/main" val="482426125"/>
+        <p14:creationId xmlns:p14="http://schemas.microsoft.com/office/powerpoint/2010/main" val="3439848542"/>
       </p:ext>
     </p:extLst>
   </p:cSld>
@@ -6032,7 +5970,7 @@
           <p:cNvPr id="2" name="Title 1">
             <a:extLst>
               <a:ext uri="{FF2B5EF4-FFF2-40B4-BE49-F238E27FC236}">
-                <a16:creationId xmlns:a16="http://schemas.microsoft.com/office/drawing/2014/main" id="{F263E6D5-0F13-0E51-537C-9368A5494FE1}"/>
+                <a16:creationId xmlns:a16="http://schemas.microsoft.com/office/drawing/2014/main" id="{4F3E01B8-22D1-8D8E-224B-EA993A96BA5E}"/>
               </a:ext>
             </a:extLst>
           </p:cNvPr>
@@ -6050,8 +5988,13 @@
           <a:p>
             <a:r>
               <a:rPr lang="en-GB" dirty="0"/>
-              <a:t>Analysis(3)</a:t>
-            </a:r>
+              <a:t>System Design (</a:t>
+            </a:r>
+            <a:r>
+              <a:rPr lang="en-GB" dirty="0" smtClean="0"/>
+              <a:t>1)-Sequence Diagram</a:t>
+            </a:r>
+            <a:endParaRPr lang="en-GB" dirty="0"/>
           </a:p>
         </p:txBody>
       </p:sp>
@@ -6060,7 +6003,7 @@
           <p:cNvPr id="3" name="Content Placeholder 2">
             <a:extLst>
               <a:ext uri="{FF2B5EF4-FFF2-40B4-BE49-F238E27FC236}">
-                <a16:creationId xmlns:a16="http://schemas.microsoft.com/office/drawing/2014/main" id="{C97AC3BE-ED68-A2D0-8F16-C588B8654C96}"/>
+                <a16:creationId xmlns:a16="http://schemas.microsoft.com/office/drawing/2014/main" id="{C2F21C0B-8C80-A402-B47F-2A557742AC06}"/>
               </a:ext>
             </a:extLst>
           </p:cNvPr>
@@ -6071,76 +6014,21 @@
             <p:ph idx="1"/>
           </p:nvPr>
         </p:nvSpPr>
-        <p:spPr/>
-        <p:txBody>
-          <a:bodyPr>
-            <a:normAutofit/>
-          </a:bodyPr>
-          <a:lstStyle/>
-          <a:p>
-            <a:r>
-              <a:rPr lang="en-US" dirty="0"/>
-              <a:t>System users/actors</a:t>
-            </a:r>
-          </a:p>
-          <a:p>
-            <a:pPr lvl="1"/>
-            <a:r>
-              <a:rPr lang="en-US" dirty="0" smtClean="0"/>
-              <a:t>Bakery Owner</a:t>
-            </a:r>
-            <a:endParaRPr lang="en-US" dirty="0" smtClean="0"/>
-          </a:p>
-          <a:p>
-            <a:pPr lvl="1"/>
-            <a:r>
-              <a:rPr lang="en-US" dirty="0" smtClean="0"/>
-              <a:t>Bakery customers</a:t>
-            </a:r>
+        <p:spPr>
+          <a:xfrm>
+            <a:off x="914402" y="1337187"/>
+            <a:ext cx="10515600" cy="5019726"/>
+          </a:xfrm>
+        </p:spPr>
+        <p:txBody>
+          <a:bodyPr/>
+          <a:lstStyle/>
+          <a:p>
+            <a:pPr marL="0" indent="0">
+              <a:buNone/>
+            </a:pPr>
             <a:endParaRPr lang="en-US" dirty="0"/>
           </a:p>
-          <a:p>
-            <a:r>
-              <a:rPr lang="en-US" dirty="0"/>
-              <a:t>System Input/ Input forms</a:t>
-            </a:r>
-          </a:p>
-          <a:p>
-            <a:pPr lvl="1"/>
-            <a:r>
-              <a:rPr lang="en-US" dirty="0" smtClean="0"/>
-              <a:t>Customer Details, Order details, Inventory received</a:t>
-            </a:r>
-            <a:endParaRPr lang="en-US" dirty="0"/>
-          </a:p>
-          <a:p>
-            <a:r>
-              <a:rPr lang="en-US" dirty="0"/>
-              <a:t>System output/ Reports</a:t>
-            </a:r>
-          </a:p>
-          <a:p>
-            <a:pPr lvl="1"/>
-            <a:r>
-              <a:rPr lang="en-US" dirty="0" smtClean="0"/>
-              <a:t>Order Reports(Pending and Completed),Inventory reports, Product Reports ,Daily Sales Report</a:t>
-            </a:r>
-            <a:endParaRPr lang="en-US" dirty="0"/>
-          </a:p>
-          <a:p>
-            <a:r>
-              <a:rPr lang="en-US" dirty="0"/>
-              <a:t>System Entities</a:t>
-            </a:r>
-          </a:p>
-          <a:p>
-            <a:pPr lvl="1"/>
-            <a:r>
-              <a:rPr lang="en-US" dirty="0" smtClean="0"/>
-              <a:t>Bakery, Customer, Order, Order item, Product, Inventory</a:t>
-            </a:r>
-            <a:endParaRPr lang="en-US" dirty="0"/>
-          </a:p>
         </p:txBody>
       </p:sp>
       <p:sp>
@@ -6148,7 +6036,7 @@
           <p:cNvPr id="4" name="Date Placeholder 3">
             <a:extLst>
               <a:ext uri="{FF2B5EF4-FFF2-40B4-BE49-F238E27FC236}">
-                <a16:creationId xmlns:a16="http://schemas.microsoft.com/office/drawing/2014/main" id="{09D6AA13-1006-88AC-EEED-7BF8CA6D8F71}"/>
+                <a16:creationId xmlns:a16="http://schemas.microsoft.com/office/drawing/2014/main" id="{BA0FD227-C584-998F-3B70-92565CA58D77}"/>
               </a:ext>
             </a:extLst>
           </p:cNvPr>
@@ -6166,7 +6054,7 @@
           <a:p>
             <a:fld id="{3725F22A-3AC6-4339-8492-9055B605575F}" type="datetime1">
               <a:rPr lang="en-US" smtClean="0"/>
-              <a:t>6/29/2024</a:t>
+              <a:t>8/12/2024</a:t>
             </a:fld>
             <a:endParaRPr lang="en-US"/>
           </a:p>
@@ -6177,7 +6065,7 @@
           <p:cNvPr id="5" name="Footer Placeholder 4">
             <a:extLst>
               <a:ext uri="{FF2B5EF4-FFF2-40B4-BE49-F238E27FC236}">
-                <a16:creationId xmlns:a16="http://schemas.microsoft.com/office/drawing/2014/main" id="{3726A518-152A-2D2F-5997-0A31F50404A7}"/>
+                <a16:creationId xmlns:a16="http://schemas.microsoft.com/office/drawing/2014/main" id="{18968230-8782-AA08-A618-CAEF24492862}"/>
               </a:ext>
             </a:extLst>
           </p:cNvPr>
@@ -6205,7 +6093,7 @@
           <p:cNvPr id="6" name="Slide Number Placeholder 5">
             <a:extLst>
               <a:ext uri="{FF2B5EF4-FFF2-40B4-BE49-F238E27FC236}">
-                <a16:creationId xmlns:a16="http://schemas.microsoft.com/office/drawing/2014/main" id="{F0D87AF9-1BC0-07A6-303F-2FE743D8A27F}"/>
+                <a16:creationId xmlns:a16="http://schemas.microsoft.com/office/drawing/2014/main" id="{B69EB2EF-B850-721D-6A77-A761E0C4A00D}"/>
               </a:ext>
             </a:extLst>
           </p:cNvPr>
@@ -6229,10 +6117,40 @@
           </a:p>
         </p:txBody>
       </p:sp>
+      <p:pic>
+        <p:nvPicPr>
+          <p:cNvPr id="7" name="Picture 6"/>
+          <p:cNvPicPr>
+            <a:picLocks noChangeAspect="1"/>
+          </p:cNvPicPr>
+          <p:nvPr/>
+        </p:nvPicPr>
+        <p:blipFill>
+          <a:blip r:embed="rId2">
+            <a:extLst>
+              <a:ext uri="{28A0092B-C50C-407E-A947-70E740481C1C}">
+                <a14:useLocalDpi xmlns:a14="http://schemas.microsoft.com/office/drawing/2010/main" val="0"/>
+              </a:ext>
+            </a:extLst>
+          </a:blip>
+          <a:stretch>
+            <a:fillRect/>
+          </a:stretch>
+        </p:blipFill>
+        <p:spPr>
+          <a:xfrm>
+            <a:off x="914402" y="1337187"/>
+            <a:ext cx="10038733" cy="5019163"/>
+          </a:xfrm>
+          <a:prstGeom prst="rect">
+            <a:avLst/>
+          </a:prstGeom>
+        </p:spPr>
+      </p:pic>
     </p:spTree>
     <p:extLst>
       <p:ext uri="{BB962C8B-B14F-4D97-AF65-F5344CB8AC3E}">
-        <p14:creationId xmlns:p14="http://schemas.microsoft.com/office/powerpoint/2010/main" val="3439848542"/>
+        <p14:creationId xmlns:p14="http://schemas.microsoft.com/office/powerpoint/2010/main" val="2226445976"/>
       </p:ext>
     </p:extLst>
   </p:cSld>
@@ -6264,7 +6182,7 @@
           <p:cNvPr id="2" name="Title 1">
             <a:extLst>
               <a:ext uri="{FF2B5EF4-FFF2-40B4-BE49-F238E27FC236}">
-                <a16:creationId xmlns:a16="http://schemas.microsoft.com/office/drawing/2014/main" id="{4F3E01B8-22D1-8D8E-224B-EA993A96BA5E}"/>
+                <a16:creationId xmlns:a16="http://schemas.microsoft.com/office/drawing/2014/main" id="{8536642E-6994-8620-0A1C-F2BE8AEB2A1B}"/>
               </a:ext>
             </a:extLst>
           </p:cNvPr>
@@ -6282,11 +6200,11 @@
           <a:p>
             <a:r>
               <a:rPr lang="en-GB" dirty="0"/>
-              <a:t>System Design (</a:t>
+              <a:t>Design(2</a:t>
             </a:r>
             <a:r>
               <a:rPr lang="en-GB" dirty="0" smtClean="0"/>
-              <a:t>1)-Sequence Diagram</a:t>
+              <a:t>)-ERD Diagram</a:t>
             </a:r>
             <a:endParaRPr lang="en-GB" dirty="0"/>
           </a:p>
@@ -6294,43 +6212,10 @@
       </p:sp>
       <p:sp>
         <p:nvSpPr>
-          <p:cNvPr id="3" name="Content Placeholder 2">
-            <a:extLst>
-              <a:ext uri="{FF2B5EF4-FFF2-40B4-BE49-F238E27FC236}">
-                <a16:creationId xmlns:a16="http://schemas.microsoft.com/office/drawing/2014/main" id="{C2F21C0B-8C80-A402-B47F-2A557742AC06}"/>
-              </a:ext>
-            </a:extLst>
-          </p:cNvPr>
-          <p:cNvSpPr>
-            <a:spLocks noGrp="1"/>
-          </p:cNvSpPr>
-          <p:nvPr>
-            <p:ph idx="1"/>
-          </p:nvPr>
-        </p:nvSpPr>
-        <p:spPr>
-          <a:xfrm>
-            <a:off x="914402" y="1337187"/>
-            <a:ext cx="10515600" cy="5019726"/>
-          </a:xfrm>
-        </p:spPr>
-        <p:txBody>
-          <a:bodyPr/>
-          <a:lstStyle/>
-          <a:p>
-            <a:pPr marL="0" indent="0">
-              <a:buNone/>
-            </a:pPr>
-            <a:endParaRPr lang="en-US" dirty="0"/>
-          </a:p>
-        </p:txBody>
-      </p:sp>
-      <p:sp>
-        <p:nvSpPr>
           <p:cNvPr id="4" name="Date Placeholder 3">
             <a:extLst>
               <a:ext uri="{FF2B5EF4-FFF2-40B4-BE49-F238E27FC236}">
-                <a16:creationId xmlns:a16="http://schemas.microsoft.com/office/drawing/2014/main" id="{BA0FD227-C584-998F-3B70-92565CA58D77}"/>
+                <a16:creationId xmlns:a16="http://schemas.microsoft.com/office/drawing/2014/main" id="{07066993-DB10-64AC-3256-DADD30A23864}"/>
               </a:ext>
             </a:extLst>
           </p:cNvPr>
@@ -6348,7 +6233,7 @@
           <a:p>
             <a:fld id="{3725F22A-3AC6-4339-8492-9055B605575F}" type="datetime1">
               <a:rPr lang="en-US" smtClean="0"/>
-              <a:t>6/29/2024</a:t>
+              <a:t>8/12/2024</a:t>
             </a:fld>
             <a:endParaRPr lang="en-US"/>
           </a:p>
@@ -6359,7 +6244,7 @@
           <p:cNvPr id="5" name="Footer Placeholder 4">
             <a:extLst>
               <a:ext uri="{FF2B5EF4-FFF2-40B4-BE49-F238E27FC236}">
-                <a16:creationId xmlns:a16="http://schemas.microsoft.com/office/drawing/2014/main" id="{18968230-8782-AA08-A618-CAEF24492862}"/>
+                <a16:creationId xmlns:a16="http://schemas.microsoft.com/office/drawing/2014/main" id="{0349BD0B-2B3B-D72C-12CD-169761E55B27}"/>
               </a:ext>
             </a:extLst>
           </p:cNvPr>
@@ -6387,7 +6272,7 @@
           <p:cNvPr id="6" name="Slide Number Placeholder 5">
             <a:extLst>
               <a:ext uri="{FF2B5EF4-FFF2-40B4-BE49-F238E27FC236}">
-                <a16:creationId xmlns:a16="http://schemas.microsoft.com/office/drawing/2014/main" id="{B69EB2EF-B850-721D-6A77-A761E0C4A00D}"/>
+                <a16:creationId xmlns:a16="http://schemas.microsoft.com/office/drawing/2014/main" id="{BAE783D4-54E8-F5D3-FD79-8D75E29BAB86}"/>
               </a:ext>
             </a:extLst>
           </p:cNvPr>
@@ -6413,38 +6298,54 @@
       </p:sp>
       <p:pic>
         <p:nvPicPr>
-          <p:cNvPr id="7" name="Picture 6"/>
-          <p:cNvPicPr>
-            <a:picLocks noChangeAspect="1"/>
-          </p:cNvPicPr>
+          <p:cNvPr id="11" name="Picture 10"/>
+          <p:cNvPicPr/>
           <p:nvPr/>
         </p:nvPicPr>
         <p:blipFill>
-          <a:blip r:embed="rId2">
-            <a:extLst>
-              <a:ext uri="{28A0092B-C50C-407E-A947-70E740481C1C}">
-                <a14:useLocalDpi xmlns:a14="http://schemas.microsoft.com/office/drawing/2010/main" val="0"/>
-              </a:ext>
-            </a:extLst>
-          </a:blip>
+          <a:blip r:embed="rId2"/>
           <a:stretch>
             <a:fillRect/>
           </a:stretch>
         </p:blipFill>
         <p:spPr>
           <a:xfrm>
-            <a:off x="914402" y="1337187"/>
-            <a:ext cx="10038733" cy="5019163"/>
+            <a:off x="3124200" y="1533831"/>
+            <a:ext cx="5943600" cy="5082233"/>
           </a:xfrm>
           <a:prstGeom prst="rect">
             <a:avLst/>
           </a:prstGeom>
         </p:spPr>
       </p:pic>
+      <p:sp>
+        <p:nvSpPr>
+          <p:cNvPr id="12" name="Content Placeholder 11"/>
+          <p:cNvSpPr>
+            <a:spLocks noGrp="1"/>
+          </p:cNvSpPr>
+          <p:nvPr>
+            <p:ph idx="1"/>
+          </p:nvPr>
+        </p:nvSpPr>
+        <p:spPr>
+          <a:xfrm>
+            <a:off x="383458" y="235974"/>
+            <a:ext cx="11631560" cy="6485501"/>
+          </a:xfrm>
+        </p:spPr>
+        <p:txBody>
+          <a:bodyPr/>
+          <a:lstStyle/>
+          <a:p>
+            <a:endParaRPr lang="en-US" dirty="0"/>
+          </a:p>
+        </p:txBody>
+      </p:sp>
     </p:spTree>
     <p:extLst>
       <p:ext uri="{BB962C8B-B14F-4D97-AF65-F5344CB8AC3E}">
-        <p14:creationId xmlns:p14="http://schemas.microsoft.com/office/powerpoint/2010/main" val="2226445976"/>
+        <p14:creationId xmlns:p14="http://schemas.microsoft.com/office/powerpoint/2010/main" val="510126467"/>
       </p:ext>
     </p:extLst>
   </p:cSld>

--- a/Documentation/Progress slides presentation.pptx
+++ b/Documentation/Progress slides presentation.pptx
@@ -5,7 +5,7 @@
     <p:sldMasterId id="2147483648" r:id="rId1"/>
   </p:sldMasterIdLst>
   <p:notesMasterIdLst>
-    <p:notesMasterId r:id="rId14"/>
+    <p:notesMasterId r:id="rId16"/>
   </p:notesMasterIdLst>
   <p:sldIdLst>
     <p:sldId id="256" r:id="rId2"/>
@@ -17,9 +17,11 @@
     <p:sldId id="279" r:id="rId8"/>
     <p:sldId id="281" r:id="rId9"/>
     <p:sldId id="282" r:id="rId10"/>
-    <p:sldId id="284" r:id="rId11"/>
-    <p:sldId id="285" r:id="rId12"/>
-    <p:sldId id="273" r:id="rId13"/>
+    <p:sldId id="286" r:id="rId11"/>
+    <p:sldId id="287" r:id="rId12"/>
+    <p:sldId id="284" r:id="rId13"/>
+    <p:sldId id="285" r:id="rId14"/>
+    <p:sldId id="273" r:id="rId15"/>
   </p:sldIdLst>
   <p:sldSz cx="12192000" cy="6858000"/>
   <p:notesSz cx="6858000" cy="9144000"/>
@@ -211,7 +213,7 @@
           <a:p>
             <a:fld id="{869BD577-E711-4F0A-A597-79D8320811BD}" type="datetimeFigureOut">
               <a:rPr lang="en-US" smtClean="0"/>
-              <a:t>8/12/2024</a:t>
+              <a:t>8/29/2024</a:t>
             </a:fld>
             <a:endParaRPr lang="en-US"/>
           </a:p>
@@ -625,7 +627,7 @@
           <a:p>
             <a:fld id="{675C8F45-5EF6-4BA4-9EF9-21873DFB8715}" type="datetime1">
               <a:rPr lang="en-US" smtClean="0"/>
-              <a:t>8/12/2024</a:t>
+              <a:t>8/29/2024</a:t>
             </a:fld>
             <a:endParaRPr lang="en-US"/>
           </a:p>
@@ -856,7 +858,7 @@
           <a:p>
             <a:fld id="{F5074967-9816-499C-AB4B-C0FC2F66720D}" type="datetime1">
               <a:rPr lang="en-US" smtClean="0"/>
-              <a:t>8/12/2024</a:t>
+              <a:t>8/29/2024</a:t>
             </a:fld>
             <a:endParaRPr lang="en-US"/>
           </a:p>
@@ -1067,7 +1069,7 @@
           <a:p>
             <a:fld id="{928B7465-797B-46B6-A7BA-BAD3E6FC9E30}" type="datetime1">
               <a:rPr lang="en-US" smtClean="0"/>
-              <a:t>8/12/2024</a:t>
+              <a:t>8/29/2024</a:t>
             </a:fld>
             <a:endParaRPr lang="en-US"/>
           </a:p>
@@ -1268,7 +1270,7 @@
           <a:p>
             <a:fld id="{3725F22A-3AC6-4339-8492-9055B605575F}" type="datetime1">
               <a:rPr lang="en-US" smtClean="0"/>
-              <a:t>8/12/2024</a:t>
+              <a:t>8/29/2024</a:t>
             </a:fld>
             <a:endParaRPr lang="en-US"/>
           </a:p>
@@ -1546,7 +1548,7 @@
           <a:p>
             <a:fld id="{8A7082F0-F3F7-42FF-8D5D-2D21C8A34A49}" type="datetime1">
               <a:rPr lang="en-US" smtClean="0"/>
-              <a:t>8/12/2024</a:t>
+              <a:t>8/29/2024</a:t>
             </a:fld>
             <a:endParaRPr lang="en-US"/>
           </a:p>
@@ -1814,7 +1816,7 @@
           <a:p>
             <a:fld id="{D7BC5A97-EE2C-465D-B14B-7475B8678DA8}" type="datetime1">
               <a:rPr lang="en-US" smtClean="0"/>
-              <a:t>8/12/2024</a:t>
+              <a:t>8/29/2024</a:t>
             </a:fld>
             <a:endParaRPr lang="en-US"/>
           </a:p>
@@ -2229,7 +2231,7 @@
           <a:p>
             <a:fld id="{DDA956A2-A6E8-4C44-AA9E-4F5628D6BBB5}" type="datetime1">
               <a:rPr lang="en-US" smtClean="0"/>
-              <a:t>8/12/2024</a:t>
+              <a:t>8/29/2024</a:t>
             </a:fld>
             <a:endParaRPr lang="en-US"/>
           </a:p>
@@ -2373,7 +2375,7 @@
           <a:p>
             <a:fld id="{1458A082-D35D-4107-A4BF-8A78C47DC0CE}" type="datetime1">
               <a:rPr lang="en-US" smtClean="0"/>
-              <a:t>8/12/2024</a:t>
+              <a:t>8/29/2024</a:t>
             </a:fld>
             <a:endParaRPr lang="en-US"/>
           </a:p>
@@ -2489,7 +2491,7 @@
           <a:p>
             <a:fld id="{FE22DCC7-3996-4C97-914E-B079D5E3DF8C}" type="datetime1">
               <a:rPr lang="en-US" smtClean="0"/>
-              <a:t>8/12/2024</a:t>
+              <a:t>8/29/2024</a:t>
             </a:fld>
             <a:endParaRPr lang="en-US"/>
           </a:p>
@@ -2803,7 +2805,7 @@
           <a:p>
             <a:fld id="{7923FA11-8A1B-4F35-9FC3-A508EA8A0333}" type="datetime1">
               <a:rPr lang="en-US" smtClean="0"/>
-              <a:t>8/12/2024</a:t>
+              <a:t>8/29/2024</a:t>
             </a:fld>
             <a:endParaRPr lang="en-US"/>
           </a:p>
@@ -3094,7 +3096,7 @@
           <a:p>
             <a:fld id="{5C0420C4-E89B-4AE2-9C9C-F402479D59A1}" type="datetime1">
               <a:rPr lang="en-US" smtClean="0"/>
-              <a:t>8/12/2024</a:t>
+              <a:t>8/29/2024</a:t>
             </a:fld>
             <a:endParaRPr lang="en-US"/>
           </a:p>
@@ -3338,7 +3340,7 @@
           <a:p>
             <a:fld id="{E464FB30-3BE4-4C21-89AF-A0EA3257E411}" type="datetime1">
               <a:rPr lang="en-US" smtClean="0"/>
-              <a:t>8/12/2024</a:t>
+              <a:t>8/29/2024</a:t>
             </a:fld>
             <a:endParaRPr lang="en-US"/>
           </a:p>
@@ -3930,13 +3932,7 @@
       </p:grpSpPr>
       <p:sp>
         <p:nvSpPr>
-          <p:cNvPr id="2" name="Title 1">
-            <a:extLst>
-              <a:ext uri="{FF2B5EF4-FFF2-40B4-BE49-F238E27FC236}">
-                <a16:creationId xmlns:a16="http://schemas.microsoft.com/office/drawing/2014/main" id="{56824670-8F27-01BC-EE3E-301F3B221B5C}"/>
-              </a:ext>
-            </a:extLst>
-          </p:cNvPr>
+          <p:cNvPr id="2" name="Title 1"/>
           <p:cNvSpPr>
             <a:spLocks noGrp="1"/>
           </p:cNvSpPr>
@@ -3950,53 +3946,16 @@
           <a:lstStyle/>
           <a:p>
             <a:r>
-              <a:rPr lang="en-GB" dirty="0"/>
-              <a:t>Design(3)</a:t>
-            </a:r>
-          </a:p>
-        </p:txBody>
-      </p:sp>
-      <p:sp>
-        <p:nvSpPr>
-          <p:cNvPr id="3" name="Content Placeholder 2">
-            <a:extLst>
-              <a:ext uri="{FF2B5EF4-FFF2-40B4-BE49-F238E27FC236}">
-                <a16:creationId xmlns:a16="http://schemas.microsoft.com/office/drawing/2014/main" id="{136F00A2-7DFC-86DA-87DC-632AFAFEB594}"/>
-              </a:ext>
-            </a:extLst>
-          </p:cNvPr>
-          <p:cNvSpPr>
-            <a:spLocks noGrp="1"/>
-          </p:cNvSpPr>
-          <p:nvPr>
-            <p:ph idx="1"/>
-          </p:nvPr>
-        </p:nvSpPr>
-        <p:spPr/>
-        <p:txBody>
-          <a:bodyPr/>
-          <a:lstStyle/>
-          <a:p>
-            <a:r>
-              <a:rPr lang="en-US" dirty="0"/>
-              <a:t>Test data </a:t>
-            </a:r>
-            <a:endParaRPr lang="en-US" dirty="0" smtClean="0"/>
-          </a:p>
-          <a:p>
+              <a:rPr lang="en-US" dirty="0" smtClean="0"/>
+              <a:t>Design (3) Use Case Diagram</a:t>
+            </a:r>
             <a:endParaRPr lang="en-US" dirty="0"/>
           </a:p>
         </p:txBody>
       </p:sp>
       <p:sp>
         <p:nvSpPr>
-          <p:cNvPr id="4" name="Date Placeholder 3">
-            <a:extLst>
-              <a:ext uri="{FF2B5EF4-FFF2-40B4-BE49-F238E27FC236}">
-                <a16:creationId xmlns:a16="http://schemas.microsoft.com/office/drawing/2014/main" id="{8EEBDA1D-BDF9-C092-B037-99EDB436C44C}"/>
-              </a:ext>
-            </a:extLst>
-          </p:cNvPr>
+          <p:cNvPr id="4" name="Date Placeholder 3"/>
           <p:cNvSpPr>
             <a:spLocks noGrp="1"/>
           </p:cNvSpPr>
@@ -4011,7 +3970,7 @@
           <a:p>
             <a:fld id="{3725F22A-3AC6-4339-8492-9055B605575F}" type="datetime1">
               <a:rPr lang="en-US" smtClean="0"/>
-              <a:t>8/12/2024</a:t>
+              <a:t>8/29/2024</a:t>
             </a:fld>
             <a:endParaRPr lang="en-US"/>
           </a:p>
@@ -4019,13 +3978,7 @@
       </p:sp>
       <p:sp>
         <p:nvSpPr>
-          <p:cNvPr id="5" name="Footer Placeholder 4">
-            <a:extLst>
-              <a:ext uri="{FF2B5EF4-FFF2-40B4-BE49-F238E27FC236}">
-                <a16:creationId xmlns:a16="http://schemas.microsoft.com/office/drawing/2014/main" id="{8ACB1BD0-E607-0ACA-F904-EC17C7BD03D4}"/>
-              </a:ext>
-            </a:extLst>
-          </p:cNvPr>
+          <p:cNvPr id="5" name="Footer Placeholder 4"/>
           <p:cNvSpPr>
             <a:spLocks noGrp="1"/>
           </p:cNvSpPr>
@@ -4039,21 +3992,16 @@
           <a:lstStyle/>
           <a:p>
             <a:r>
-              <a:rPr lang="en-US"/>
+              <a:rPr lang="en-US" smtClean="0"/>
               <a:t>CUEA | Department of Computer &amp; Information Science</a:t>
             </a:r>
-          </a:p>
-        </p:txBody>
-      </p:sp>
-      <p:sp>
-        <p:nvSpPr>
-          <p:cNvPr id="6" name="Slide Number Placeholder 5">
-            <a:extLst>
-              <a:ext uri="{FF2B5EF4-FFF2-40B4-BE49-F238E27FC236}">
-                <a16:creationId xmlns:a16="http://schemas.microsoft.com/office/drawing/2014/main" id="{EEB49FEE-9696-BD01-ABCE-FE0312362888}"/>
-              </a:ext>
-            </a:extLst>
-          </p:cNvPr>
+            <a:endParaRPr lang="en-US"/>
+          </a:p>
+        </p:txBody>
+      </p:sp>
+      <p:sp>
+        <p:nvSpPr>
+          <p:cNvPr id="6" name="Slide Number Placeholder 5"/>
           <p:cNvSpPr>
             <a:spLocks noGrp="1"/>
           </p:cNvSpPr>
@@ -4069,6 +4017,377 @@
             <a:fld id="{DDD1C4E3-6544-488F-8BBE-2E6A0588B5A3}" type="slidenum">
               <a:rPr lang="en-US" smtClean="0"/>
               <a:t>10</a:t>
+            </a:fld>
+            <a:endParaRPr lang="en-US"/>
+          </a:p>
+        </p:txBody>
+      </p:sp>
+      <p:pic>
+        <p:nvPicPr>
+          <p:cNvPr id="7" name="Content Placeholder 6" descr="https://www.researchgate.net/profile/Ali-Fathi-Sawehli/publication/332578529/figure/fig2/AS:750827056668679@1556022528781/Customer-of-Sandys-Bakery-e-commerce-web-application.jpg"/>
+          <p:cNvPicPr>
+            <a:picLocks noGrp="1"/>
+          </p:cNvPicPr>
+          <p:nvPr>
+            <p:ph idx="1"/>
+          </p:nvPr>
+        </p:nvPicPr>
+        <p:blipFill rotWithShape="1">
+          <a:blip r:embed="rId2">
+            <a:extLst>
+              <a:ext uri="{28A0092B-C50C-407E-A947-70E740481C1C}">
+                <a14:useLocalDpi xmlns:a14="http://schemas.microsoft.com/office/drawing/2010/main" val="0"/>
+              </a:ext>
+            </a:extLst>
+          </a:blip>
+          <a:srcRect t="2244" b="-824"/>
+          <a:stretch/>
+        </p:blipFill>
+        <p:spPr bwMode="auto">
+          <a:xfrm>
+            <a:off x="3581400" y="1435510"/>
+            <a:ext cx="5029200" cy="5024284"/>
+          </a:xfrm>
+          <a:prstGeom prst="rect">
+            <a:avLst/>
+          </a:prstGeom>
+          <a:noFill/>
+          <a:ln>
+            <a:noFill/>
+          </a:ln>
+          <a:extLst>
+            <a:ext uri="{53640926-AAD7-44D8-BBD7-CCE9431645EC}">
+              <a14:shadowObscured xmlns:a14="http://schemas.microsoft.com/office/drawing/2010/main"/>
+            </a:ext>
+          </a:extLst>
+        </p:spPr>
+      </p:pic>
+    </p:spTree>
+    <p:extLst>
+      <p:ext uri="{BB962C8B-B14F-4D97-AF65-F5344CB8AC3E}">
+        <p14:creationId xmlns:p14="http://schemas.microsoft.com/office/powerpoint/2010/main" val="2233875167"/>
+      </p:ext>
+    </p:extLst>
+  </p:cSld>
+  <p:clrMapOvr>
+    <a:masterClrMapping/>
+  </p:clrMapOvr>
+</p:sld>
+</file>
+
+<file path=ppt/slides/slide11.xml><?xml version="1.0" encoding="utf-8"?>
+<p:sld xmlns:a="http://schemas.openxmlformats.org/drawingml/2006/main" xmlns:r="http://schemas.openxmlformats.org/officeDocument/2006/relationships" xmlns:p="http://schemas.openxmlformats.org/presentationml/2006/main">
+  <p:cSld>
+    <p:spTree>
+      <p:nvGrpSpPr>
+        <p:cNvPr id="1" name=""/>
+        <p:cNvGrpSpPr/>
+        <p:nvPr/>
+      </p:nvGrpSpPr>
+      <p:grpSpPr>
+        <a:xfrm>
+          <a:off x="0" y="0"/>
+          <a:ext cx="0" cy="0"/>
+          <a:chOff x="0" y="0"/>
+          <a:chExt cx="0" cy="0"/>
+        </a:xfrm>
+      </p:grpSpPr>
+      <p:sp>
+        <p:nvSpPr>
+          <p:cNvPr id="2" name="Title 1"/>
+          <p:cNvSpPr>
+            <a:spLocks noGrp="1"/>
+          </p:cNvSpPr>
+          <p:nvPr>
+            <p:ph type="title"/>
+          </p:nvPr>
+        </p:nvSpPr>
+        <p:spPr/>
+        <p:txBody>
+          <a:bodyPr/>
+          <a:lstStyle/>
+          <a:p>
+            <a:r>
+              <a:rPr lang="en-US" dirty="0" smtClean="0"/>
+              <a:t>Design (4)Activity Diagram</a:t>
+            </a:r>
+            <a:endParaRPr lang="en-US" dirty="0"/>
+          </a:p>
+        </p:txBody>
+      </p:sp>
+      <p:sp>
+        <p:nvSpPr>
+          <p:cNvPr id="4" name="Date Placeholder 3"/>
+          <p:cNvSpPr>
+            <a:spLocks noGrp="1"/>
+          </p:cNvSpPr>
+          <p:nvPr>
+            <p:ph type="dt" sz="half" idx="10"/>
+          </p:nvPr>
+        </p:nvSpPr>
+        <p:spPr/>
+        <p:txBody>
+          <a:bodyPr/>
+          <a:lstStyle/>
+          <a:p>
+            <a:fld id="{3725F22A-3AC6-4339-8492-9055B605575F}" type="datetime1">
+              <a:rPr lang="en-US" smtClean="0"/>
+              <a:t>8/29/2024</a:t>
+            </a:fld>
+            <a:endParaRPr lang="en-US"/>
+          </a:p>
+        </p:txBody>
+      </p:sp>
+      <p:sp>
+        <p:nvSpPr>
+          <p:cNvPr id="5" name="Footer Placeholder 4"/>
+          <p:cNvSpPr>
+            <a:spLocks noGrp="1"/>
+          </p:cNvSpPr>
+          <p:nvPr>
+            <p:ph type="ftr" sz="quarter" idx="11"/>
+          </p:nvPr>
+        </p:nvSpPr>
+        <p:spPr/>
+        <p:txBody>
+          <a:bodyPr/>
+          <a:lstStyle/>
+          <a:p>
+            <a:r>
+              <a:rPr lang="en-US" smtClean="0"/>
+              <a:t>CUEA | Department of Computer &amp; Information Science</a:t>
+            </a:r>
+            <a:endParaRPr lang="en-US"/>
+          </a:p>
+        </p:txBody>
+      </p:sp>
+      <p:sp>
+        <p:nvSpPr>
+          <p:cNvPr id="6" name="Slide Number Placeholder 5"/>
+          <p:cNvSpPr>
+            <a:spLocks noGrp="1"/>
+          </p:cNvSpPr>
+          <p:nvPr>
+            <p:ph type="sldNum" sz="quarter" idx="12"/>
+          </p:nvPr>
+        </p:nvSpPr>
+        <p:spPr/>
+        <p:txBody>
+          <a:bodyPr/>
+          <a:lstStyle/>
+          <a:p>
+            <a:fld id="{DDD1C4E3-6544-488F-8BBE-2E6A0588B5A3}" type="slidenum">
+              <a:rPr lang="en-US" smtClean="0"/>
+              <a:t>11</a:t>
+            </a:fld>
+            <a:endParaRPr lang="en-US"/>
+          </a:p>
+        </p:txBody>
+      </p:sp>
+      <p:pic>
+        <p:nvPicPr>
+          <p:cNvPr id="7" name="Content Placeholder 6"/>
+          <p:cNvPicPr>
+            <a:picLocks noGrp="1"/>
+          </p:cNvPicPr>
+          <p:nvPr>
+            <p:ph idx="1"/>
+          </p:nvPr>
+        </p:nvPicPr>
+        <p:blipFill>
+          <a:blip r:embed="rId2" cstate="print">
+            <a:extLst>
+              <a:ext uri="{28A0092B-C50C-407E-A947-70E740481C1C}">
+                <a14:useLocalDpi xmlns:a14="http://schemas.microsoft.com/office/drawing/2010/main" val="0"/>
+              </a:ext>
+            </a:extLst>
+          </a:blip>
+          <a:stretch>
+            <a:fillRect/>
+          </a:stretch>
+        </p:blipFill>
+        <p:spPr>
+          <a:xfrm>
+            <a:off x="1897626" y="1268361"/>
+            <a:ext cx="8268929" cy="4857136"/>
+          </a:xfrm>
+          <a:prstGeom prst="rect">
+            <a:avLst/>
+          </a:prstGeom>
+        </p:spPr>
+      </p:pic>
+    </p:spTree>
+    <p:extLst>
+      <p:ext uri="{BB962C8B-B14F-4D97-AF65-F5344CB8AC3E}">
+        <p14:creationId xmlns:p14="http://schemas.microsoft.com/office/powerpoint/2010/main" val="1365135060"/>
+      </p:ext>
+    </p:extLst>
+  </p:cSld>
+  <p:clrMapOvr>
+    <a:masterClrMapping/>
+  </p:clrMapOvr>
+</p:sld>
+</file>
+
+<file path=ppt/slides/slide12.xml><?xml version="1.0" encoding="utf-8"?>
+<p:sld xmlns:a="http://schemas.openxmlformats.org/drawingml/2006/main" xmlns:r="http://schemas.openxmlformats.org/officeDocument/2006/relationships" xmlns:p="http://schemas.openxmlformats.org/presentationml/2006/main">
+  <p:cSld>
+    <p:spTree>
+      <p:nvGrpSpPr>
+        <p:cNvPr id="1" name=""/>
+        <p:cNvGrpSpPr/>
+        <p:nvPr/>
+      </p:nvGrpSpPr>
+      <p:grpSpPr>
+        <a:xfrm>
+          <a:off x="0" y="0"/>
+          <a:ext cx="0" cy="0"/>
+          <a:chOff x="0" y="0"/>
+          <a:chExt cx="0" cy="0"/>
+        </a:xfrm>
+      </p:grpSpPr>
+      <p:sp>
+        <p:nvSpPr>
+          <p:cNvPr id="2" name="Title 1">
+            <a:extLst>
+              <a:ext uri="{FF2B5EF4-FFF2-40B4-BE49-F238E27FC236}">
+                <a16:creationId xmlns:a16="http://schemas.microsoft.com/office/drawing/2014/main" id="{56824670-8F27-01BC-EE3E-301F3B221B5C}"/>
+              </a:ext>
+            </a:extLst>
+          </p:cNvPr>
+          <p:cNvSpPr>
+            <a:spLocks noGrp="1"/>
+          </p:cNvSpPr>
+          <p:nvPr>
+            <p:ph type="title"/>
+          </p:nvPr>
+        </p:nvSpPr>
+        <p:spPr/>
+        <p:txBody>
+          <a:bodyPr/>
+          <a:lstStyle/>
+          <a:p>
+            <a:r>
+              <a:rPr lang="en-GB" dirty="0" smtClean="0"/>
+              <a:t>Design(5)</a:t>
+            </a:r>
+            <a:endParaRPr lang="en-GB" dirty="0"/>
+          </a:p>
+        </p:txBody>
+      </p:sp>
+      <p:sp>
+        <p:nvSpPr>
+          <p:cNvPr id="3" name="Content Placeholder 2">
+            <a:extLst>
+              <a:ext uri="{FF2B5EF4-FFF2-40B4-BE49-F238E27FC236}">
+                <a16:creationId xmlns:a16="http://schemas.microsoft.com/office/drawing/2014/main" id="{136F00A2-7DFC-86DA-87DC-632AFAFEB594}"/>
+              </a:ext>
+            </a:extLst>
+          </p:cNvPr>
+          <p:cNvSpPr>
+            <a:spLocks noGrp="1"/>
+          </p:cNvSpPr>
+          <p:nvPr>
+            <p:ph idx="1"/>
+          </p:nvPr>
+        </p:nvSpPr>
+        <p:spPr/>
+        <p:txBody>
+          <a:bodyPr/>
+          <a:lstStyle/>
+          <a:p>
+            <a:r>
+              <a:rPr lang="en-US" dirty="0"/>
+              <a:t>Test data </a:t>
+            </a:r>
+            <a:endParaRPr lang="en-US" dirty="0" smtClean="0"/>
+          </a:p>
+          <a:p>
+            <a:endParaRPr lang="en-US" dirty="0"/>
+          </a:p>
+        </p:txBody>
+      </p:sp>
+      <p:sp>
+        <p:nvSpPr>
+          <p:cNvPr id="4" name="Date Placeholder 3">
+            <a:extLst>
+              <a:ext uri="{FF2B5EF4-FFF2-40B4-BE49-F238E27FC236}">
+                <a16:creationId xmlns:a16="http://schemas.microsoft.com/office/drawing/2014/main" id="{8EEBDA1D-BDF9-C092-B037-99EDB436C44C}"/>
+              </a:ext>
+            </a:extLst>
+          </p:cNvPr>
+          <p:cNvSpPr>
+            <a:spLocks noGrp="1"/>
+          </p:cNvSpPr>
+          <p:nvPr>
+            <p:ph type="dt" sz="half" idx="10"/>
+          </p:nvPr>
+        </p:nvSpPr>
+        <p:spPr/>
+        <p:txBody>
+          <a:bodyPr/>
+          <a:lstStyle/>
+          <a:p>
+            <a:fld id="{3725F22A-3AC6-4339-8492-9055B605575F}" type="datetime1">
+              <a:rPr lang="en-US" smtClean="0"/>
+              <a:t>8/29/2024</a:t>
+            </a:fld>
+            <a:endParaRPr lang="en-US"/>
+          </a:p>
+        </p:txBody>
+      </p:sp>
+      <p:sp>
+        <p:nvSpPr>
+          <p:cNvPr id="5" name="Footer Placeholder 4">
+            <a:extLst>
+              <a:ext uri="{FF2B5EF4-FFF2-40B4-BE49-F238E27FC236}">
+                <a16:creationId xmlns:a16="http://schemas.microsoft.com/office/drawing/2014/main" id="{8ACB1BD0-E607-0ACA-F904-EC17C7BD03D4}"/>
+              </a:ext>
+            </a:extLst>
+          </p:cNvPr>
+          <p:cNvSpPr>
+            <a:spLocks noGrp="1"/>
+          </p:cNvSpPr>
+          <p:nvPr>
+            <p:ph type="ftr" sz="quarter" idx="11"/>
+          </p:nvPr>
+        </p:nvSpPr>
+        <p:spPr/>
+        <p:txBody>
+          <a:bodyPr/>
+          <a:lstStyle/>
+          <a:p>
+            <a:r>
+              <a:rPr lang="en-US"/>
+              <a:t>CUEA | Department of Computer &amp; Information Science</a:t>
+            </a:r>
+          </a:p>
+        </p:txBody>
+      </p:sp>
+      <p:sp>
+        <p:nvSpPr>
+          <p:cNvPr id="6" name="Slide Number Placeholder 5">
+            <a:extLst>
+              <a:ext uri="{FF2B5EF4-FFF2-40B4-BE49-F238E27FC236}">
+                <a16:creationId xmlns:a16="http://schemas.microsoft.com/office/drawing/2014/main" id="{EEB49FEE-9696-BD01-ABCE-FE0312362888}"/>
+              </a:ext>
+            </a:extLst>
+          </p:cNvPr>
+          <p:cNvSpPr>
+            <a:spLocks noGrp="1"/>
+          </p:cNvSpPr>
+          <p:nvPr>
+            <p:ph type="sldNum" sz="quarter" idx="12"/>
+          </p:nvPr>
+        </p:nvSpPr>
+        <p:spPr/>
+        <p:txBody>
+          <a:bodyPr/>
+          <a:lstStyle/>
+          <a:p>
+            <a:fld id="{DDD1C4E3-6544-488F-8BBE-2E6A0588B5A3}" type="slidenum">
+              <a:rPr lang="en-US" smtClean="0"/>
+              <a:t>12</a:t>
             </a:fld>
             <a:endParaRPr lang="en-US"/>
           </a:p>
@@ -4116,7 +4435,7 @@
 </p:sld>
 </file>
 
-<file path=ppt/slides/slide11.xml><?xml version="1.0" encoding="utf-8"?>
+<file path=ppt/slides/slide13.xml><?xml version="1.0" encoding="utf-8"?>
 <p:sld xmlns:a="http://schemas.openxmlformats.org/drawingml/2006/main" xmlns:r="http://schemas.openxmlformats.org/officeDocument/2006/relationships" xmlns:p="http://schemas.openxmlformats.org/presentationml/2006/main">
   <p:cSld>
     <p:spTree>
@@ -4244,12 +4563,13 @@
             </a:r>
             <a:r>
               <a:rPr lang="en-GB" dirty="0" err="1" smtClean="0"/>
-              <a:t>paypal</a:t>
+              <a:t>mpesa</a:t>
             </a:r>
             <a:r>
               <a:rPr lang="en-GB" dirty="0" smtClean="0"/>
               <a:t> API </a:t>
             </a:r>
+            <a:endParaRPr lang="en-GB" dirty="0" smtClean="0"/>
           </a:p>
           <a:p>
             <a:r>
@@ -4288,7 +4608,7 @@
           <a:p>
             <a:fld id="{3725F22A-3AC6-4339-8492-9055B605575F}" type="datetime1">
               <a:rPr lang="en-US" smtClean="0"/>
-              <a:t>8/12/2024</a:t>
+              <a:t>8/29/2024</a:t>
             </a:fld>
             <a:endParaRPr lang="en-US"/>
           </a:p>
@@ -4345,7 +4665,7 @@
           <a:p>
             <a:fld id="{DDD1C4E3-6544-488F-8BBE-2E6A0588B5A3}" type="slidenum">
               <a:rPr lang="en-US" smtClean="0"/>
-              <a:t>11</a:t>
+              <a:t>13</a:t>
             </a:fld>
             <a:endParaRPr lang="en-US"/>
           </a:p>
@@ -4364,7 +4684,7 @@
 </p:sld>
 </file>
 
-<file path=ppt/slides/slide12.xml><?xml version="1.0" encoding="utf-8"?>
+<file path=ppt/slides/slide14.xml><?xml version="1.0" encoding="utf-8"?>
 <p:sld xmlns:a="http://schemas.openxmlformats.org/drawingml/2006/main" xmlns:r="http://schemas.openxmlformats.org/officeDocument/2006/relationships" xmlns:p="http://schemas.openxmlformats.org/presentationml/2006/main">
   <p:cSld>
     <p:spTree>
@@ -4596,7 +4916,7 @@
           <a:p>
             <a:fld id="{F757C34A-FB17-4502-B8B0-C32B7C226254}" type="datetime1">
               <a:rPr lang="en-US" smtClean="0"/>
-              <a:t>8/12/2024</a:t>
+              <a:t>8/29/2024</a:t>
             </a:fld>
             <a:endParaRPr lang="en-US"/>
           </a:p>
@@ -4784,7 +5104,7 @@
           <a:p>
             <a:fld id="{594A5CCB-E238-42AB-B195-E1B13A2052D1}" type="datetime1">
               <a:rPr lang="en-US" smtClean="0"/>
-              <a:t>8/12/2024</a:t>
+              <a:t>8/29/2024</a:t>
             </a:fld>
             <a:endParaRPr lang="en-US"/>
           </a:p>
@@ -5045,7 +5365,7 @@
           <a:p>
             <a:fld id="{67F80246-0887-40D7-A50C-F8D8F0CA8691}" type="datetime1">
               <a:rPr lang="en-US" smtClean="0"/>
-              <a:t>8/12/2024</a:t>
+              <a:t>8/29/2024</a:t>
             </a:fld>
             <a:endParaRPr lang="en-US"/>
           </a:p>
@@ -5182,10 +5502,15 @@
             <p:ph idx="1"/>
           </p:nvPr>
         </p:nvSpPr>
-        <p:spPr/>
+        <p:spPr>
+          <a:xfrm>
+            <a:off x="838200" y="1347019"/>
+            <a:ext cx="10515600" cy="4829944"/>
+          </a:xfrm>
+        </p:spPr>
         <p:txBody>
           <a:bodyPr>
-            <a:normAutofit fontScale="92500" lnSpcReduction="20000"/>
+            <a:normAutofit fontScale="92500" lnSpcReduction="10000"/>
           </a:bodyPr>
           <a:lstStyle/>
           <a:p>
@@ -5246,7 +5571,7 @@
             </a:r>
             <a:r>
               <a:rPr lang="en-US" dirty="0" smtClean="0"/>
-              <a:t>Creation, Update and Deletion of </a:t>
+              <a:t>Creation and Updating of </a:t>
             </a:r>
             <a:r>
               <a:rPr lang="en-US" dirty="0"/>
@@ -5380,7 +5705,7 @@
           <a:p>
             <a:fld id="{3725F22A-3AC6-4339-8492-9055B605575F}" type="datetime1">
               <a:rPr lang="en-US" smtClean="0"/>
-              <a:t>8/12/2024</a:t>
+              <a:t>8/29/2024</a:t>
             </a:fld>
             <a:endParaRPr lang="en-US"/>
           </a:p>
@@ -5562,7 +5887,7 @@
           <a:p>
             <a:fld id="{3725F22A-3AC6-4339-8492-9055B605575F}" type="datetime1">
               <a:rPr lang="en-US" smtClean="0"/>
-              <a:t>8/12/2024</a:t>
+              <a:t>8/29/2024</a:t>
             </a:fld>
             <a:endParaRPr lang="en-US"/>
           </a:p>
@@ -5809,11 +6134,7 @@
             <a:pPr lvl="1"/>
             <a:r>
               <a:rPr lang="en-US" dirty="0" smtClean="0"/>
-              <a:t>Order </a:t>
-            </a:r>
-            <a:r>
-              <a:rPr lang="en-US" dirty="0" smtClean="0"/>
-              <a:t>Reports </a:t>
+              <a:t>Order Reports </a:t>
             </a:r>
             <a:r>
               <a:rPr lang="en-US" dirty="0" err="1" smtClean="0"/>
@@ -5821,15 +6142,7 @@
             </a:r>
             <a:r>
               <a:rPr lang="en-US" dirty="0" smtClean="0"/>
-              <a:t> </a:t>
-            </a:r>
-            <a:r>
-              <a:rPr lang="en-US" dirty="0" smtClean="0"/>
-              <a:t>reports, Product </a:t>
-            </a:r>
-            <a:r>
-              <a:rPr lang="en-US" dirty="0" smtClean="0"/>
-              <a:t>Reports</a:t>
+              <a:t> reports, Product Reports</a:t>
             </a:r>
             <a:endParaRPr lang="en-US" dirty="0"/>
           </a:p>
@@ -5872,7 +6185,7 @@
           <a:p>
             <a:fld id="{3725F22A-3AC6-4339-8492-9055B605575F}" type="datetime1">
               <a:rPr lang="en-US" smtClean="0"/>
-              <a:t>8/12/2024</a:t>
+              <a:t>8/29/2024</a:t>
             </a:fld>
             <a:endParaRPr lang="en-US"/>
           </a:p>
@@ -6054,7 +6367,7 @@
           <a:p>
             <a:fld id="{3725F22A-3AC6-4339-8492-9055B605575F}" type="datetime1">
               <a:rPr lang="en-US" smtClean="0"/>
-              <a:t>8/12/2024</a:t>
+              <a:t>8/29/2024</a:t>
             </a:fld>
             <a:endParaRPr lang="en-US"/>
           </a:p>
@@ -6233,7 +6546,7 @@
           <a:p>
             <a:fld id="{3725F22A-3AC6-4339-8492-9055B605575F}" type="datetime1">
               <a:rPr lang="en-US" smtClean="0"/>
-              <a:t>8/12/2024</a:t>
+              <a:t>8/29/2024</a:t>
             </a:fld>
             <a:endParaRPr lang="en-US"/>
           </a:p>
@@ -6338,6 +6651,9 @@
           <a:bodyPr/>
           <a:lstStyle/>
           <a:p>
+            <a:pPr marL="0" indent="0">
+              <a:buNone/>
+            </a:pPr>
             <a:endParaRPr lang="en-US" dirty="0"/>
           </a:p>
         </p:txBody>
